--- a/Lambda/Lambda編.pptx
+++ b/Lambda/Lambda編.pptx
@@ -9,17 +9,24 @@
     <p:sldId id="270" r:id="rId3"/>
     <p:sldId id="271" r:id="rId4"/>
     <p:sldId id="257" r:id="rId5"/>
-    <p:sldId id="258" r:id="rId6"/>
-    <p:sldId id="259" r:id="rId7"/>
-    <p:sldId id="264" r:id="rId8"/>
-    <p:sldId id="260" r:id="rId9"/>
-    <p:sldId id="265" r:id="rId10"/>
-    <p:sldId id="266" r:id="rId11"/>
-    <p:sldId id="261" r:id="rId12"/>
-    <p:sldId id="267" r:id="rId13"/>
-    <p:sldId id="262" r:id="rId14"/>
-    <p:sldId id="268" r:id="rId15"/>
-    <p:sldId id="263" r:id="rId16"/>
+    <p:sldId id="272" r:id="rId6"/>
+    <p:sldId id="273" r:id="rId7"/>
+    <p:sldId id="258" r:id="rId8"/>
+    <p:sldId id="274" r:id="rId9"/>
+    <p:sldId id="259" r:id="rId10"/>
+    <p:sldId id="275" r:id="rId11"/>
+    <p:sldId id="264" r:id="rId12"/>
+    <p:sldId id="260" r:id="rId13"/>
+    <p:sldId id="276" r:id="rId14"/>
+    <p:sldId id="265" r:id="rId15"/>
+    <p:sldId id="266" r:id="rId16"/>
+    <p:sldId id="261" r:id="rId17"/>
+    <p:sldId id="267" r:id="rId18"/>
+    <p:sldId id="262" r:id="rId19"/>
+    <p:sldId id="277" r:id="rId20"/>
+    <p:sldId id="278" r:id="rId21"/>
+    <p:sldId id="268" r:id="rId22"/>
+    <p:sldId id="263" r:id="rId23"/>
   </p:sldIdLst>
   <p:sldSz cx="9144000" cy="5143500" type="screen16x9"/>
   <p:notesSz cx="6858000" cy="9144000"/>
@@ -3284,9 +3291,36 @@
           <a:chExt cx="0" cy="0"/>
         </a:xfrm>
       </p:grpSpPr>
+      <p:sp>
+        <p:nvSpPr>
+          <p:cNvPr id="2" name="タイトル 1"/>
+          <p:cNvSpPr>
+            <a:spLocks noGrp="1"/>
+          </p:cNvSpPr>
+          <p:nvPr>
+            <p:ph type="title"/>
+          </p:nvPr>
+        </p:nvSpPr>
+        <p:spPr/>
+        <p:txBody>
+          <a:bodyPr/>
+          <a:lstStyle/>
+          <a:p>
+            <a:r>
+              <a:rPr kumimoji="1" lang="en-US" altLang="ja-JP"/>
+              <a:t>Lambda</a:t>
+            </a:r>
+            <a:r>
+              <a:rPr kumimoji="1" lang="ja-JP" altLang="en-US"/>
+              <a:t>の作成</a:t>
+            </a:r>
+            <a:endParaRPr kumimoji="1" lang="ja-JP" altLang="en-US"/>
+          </a:p>
+        </p:txBody>
+      </p:sp>
       <p:pic>
         <p:nvPicPr>
-          <p:cNvPr id="4" name="図 3" descr="スクリーンショット 2016-10-27 6.22.45.png"/>
+          <p:cNvPr id="4" name="図 3" descr="スクリーンショット 2016-10-27 17.04.47.png"/>
           <p:cNvPicPr>
             <a:picLocks noChangeAspect="1"/>
           </p:cNvPicPr>
@@ -3306,18 +3340,107 @@
         </p:blipFill>
         <p:spPr>
           <a:xfrm>
-            <a:off x="0" y="947681"/>
-            <a:ext cx="9144000" cy="3248138"/>
+            <a:off x="0" y="857474"/>
+            <a:ext cx="9144000" cy="4090737"/>
           </a:xfrm>
           <a:prstGeom prst="rect">
             <a:avLst/>
           </a:prstGeom>
         </p:spPr>
       </p:pic>
+      <p:sp>
+        <p:nvSpPr>
+          <p:cNvPr id="5" name="テキスト ボックス 4"/>
+          <p:cNvSpPr txBox="1"/>
+          <p:nvPr/>
+        </p:nvSpPr>
+        <p:spPr>
+          <a:xfrm>
+            <a:off x="1427235" y="3302000"/>
+            <a:ext cx="1107996" cy="369332"/>
+          </a:xfrm>
+          <a:prstGeom prst="rect">
+            <a:avLst/>
+          </a:prstGeom>
+          <a:noFill/>
+        </p:spPr>
+        <p:txBody>
+          <a:bodyPr wrap="none" rtlCol="0">
+            <a:spAutoFit/>
+          </a:bodyPr>
+          <a:lstStyle/>
+          <a:p>
+            <a:r>
+              <a:rPr kumimoji="1" lang="ja-JP" altLang="en-US">
+                <a:solidFill>
+                  <a:srgbClr val="FF0000"/>
+                </a:solidFill>
+                <a:latin typeface="メイリオ"/>
+                <a:ea typeface="メイリオ"/>
+                <a:cs typeface="メイリオ"/>
+              </a:rPr>
+              <a:t>クリック</a:t>
+            </a:r>
+            <a:endParaRPr kumimoji="1" lang="ja-JP" altLang="en-US">
+              <a:solidFill>
+                <a:srgbClr val="FF0000"/>
+              </a:solidFill>
+              <a:latin typeface="メイリオ"/>
+              <a:ea typeface="メイリオ"/>
+              <a:cs typeface="メイリオ"/>
+            </a:endParaRPr>
+          </a:p>
+        </p:txBody>
+      </p:sp>
+      <p:sp>
+        <p:nvSpPr>
+          <p:cNvPr id="6" name="正方形/長方形 5"/>
+          <p:cNvSpPr/>
+          <p:nvPr/>
+        </p:nvSpPr>
+        <p:spPr>
+          <a:xfrm>
+            <a:off x="205661" y="3338285"/>
+            <a:ext cx="2830244" cy="1475620"/>
+          </a:xfrm>
+          <a:prstGeom prst="rect">
+            <a:avLst/>
+          </a:prstGeom>
+          <a:noFill/>
+          <a:ln w="28575">
+            <a:solidFill>
+              <a:srgbClr val="FF0000"/>
+            </a:solidFill>
+          </a:ln>
+          <a:effectLst/>
+        </p:spPr>
+        <p:style>
+          <a:lnRef idx="1">
+            <a:schemeClr val="accent1"/>
+          </a:lnRef>
+          <a:fillRef idx="3">
+            <a:schemeClr val="accent1"/>
+          </a:fillRef>
+          <a:effectRef idx="2">
+            <a:schemeClr val="accent1"/>
+          </a:effectRef>
+          <a:fontRef idx="minor">
+            <a:schemeClr val="lt1"/>
+          </a:fontRef>
+        </p:style>
+        <p:txBody>
+          <a:bodyPr rtlCol="0" anchor="ctr"/>
+          <a:lstStyle/>
+          <a:p>
+            <a:pPr algn="ctr"/>
+            <a:endParaRPr kumimoji="1" lang="ja-JP" altLang="en-US"/>
+          </a:p>
+        </p:txBody>
+      </p:sp>
     </p:spTree>
     <p:extLst>
       <p:ext uri="{BB962C8B-B14F-4D97-AF65-F5344CB8AC3E}">
-        <p14:creationId xmlns:p14="http://schemas.microsoft.com/office/powerpoint/2010/main" val="2773034094"/>
+        <p14:creationId xmlns:p14="http://schemas.microsoft.com/office/powerpoint/2010/main" val="3916290094"/>
       </p:ext>
     </p:extLst>
   </p:cSld>
@@ -3351,6 +3474,1461 @@
           <a:chExt cx="0" cy="0"/>
         </a:xfrm>
       </p:grpSpPr>
+      <p:pic>
+        <p:nvPicPr>
+          <p:cNvPr id="5" name="図 4" descr="スクリーンショット 2016-10-27 6.08.47.png"/>
+          <p:cNvPicPr>
+            <a:picLocks noChangeAspect="1"/>
+          </p:cNvPicPr>
+          <p:nvPr/>
+        </p:nvPicPr>
+        <p:blipFill>
+          <a:blip r:embed="rId2">
+            <a:extLst>
+              <a:ext uri="{28A0092B-C50C-407E-A947-70E740481C1C}">
+                <a14:useLocalDpi xmlns:a14="http://schemas.microsoft.com/office/drawing/2010/main" val="0"/>
+              </a:ext>
+            </a:extLst>
+          </a:blip>
+          <a:stretch>
+            <a:fillRect/>
+          </a:stretch>
+        </p:blipFill>
+        <p:spPr>
+          <a:xfrm>
+            <a:off x="792856" y="0"/>
+            <a:ext cx="7558289" cy="5143500"/>
+          </a:xfrm>
+          <a:prstGeom prst="rect">
+            <a:avLst/>
+          </a:prstGeom>
+        </p:spPr>
+      </p:pic>
+      <p:sp>
+        <p:nvSpPr>
+          <p:cNvPr id="3" name="正方形/長方形 2"/>
+          <p:cNvSpPr/>
+          <p:nvPr/>
+        </p:nvSpPr>
+        <p:spPr>
+          <a:xfrm>
+            <a:off x="3217353" y="653142"/>
+            <a:ext cx="1112741" cy="665239"/>
+          </a:xfrm>
+          <a:prstGeom prst="rect">
+            <a:avLst/>
+          </a:prstGeom>
+          <a:noFill/>
+          <a:ln w="28575">
+            <a:solidFill>
+              <a:srgbClr val="FF0000"/>
+            </a:solidFill>
+          </a:ln>
+          <a:effectLst/>
+        </p:spPr>
+        <p:style>
+          <a:lnRef idx="1">
+            <a:schemeClr val="accent1"/>
+          </a:lnRef>
+          <a:fillRef idx="3">
+            <a:schemeClr val="accent1"/>
+          </a:fillRef>
+          <a:effectRef idx="2">
+            <a:schemeClr val="accent1"/>
+          </a:effectRef>
+          <a:fontRef idx="minor">
+            <a:schemeClr val="lt1"/>
+          </a:fontRef>
+        </p:style>
+        <p:txBody>
+          <a:bodyPr rtlCol="0" anchor="ctr"/>
+          <a:lstStyle/>
+          <a:p>
+            <a:pPr algn="ctr"/>
+            <a:endParaRPr kumimoji="1" lang="ja-JP" altLang="en-US"/>
+          </a:p>
+        </p:txBody>
+      </p:sp>
+      <p:sp>
+        <p:nvSpPr>
+          <p:cNvPr id="4" name="テキスト ボックス 3"/>
+          <p:cNvSpPr txBox="1"/>
+          <p:nvPr/>
+        </p:nvSpPr>
+        <p:spPr>
+          <a:xfrm>
+            <a:off x="1981233" y="677332"/>
+            <a:ext cx="1172116" cy="369332"/>
+          </a:xfrm>
+          <a:prstGeom prst="rect">
+            <a:avLst/>
+          </a:prstGeom>
+          <a:noFill/>
+        </p:spPr>
+        <p:txBody>
+          <a:bodyPr wrap="none" rtlCol="0">
+            <a:spAutoFit/>
+          </a:bodyPr>
+          <a:lstStyle/>
+          <a:p>
+            <a:r>
+              <a:rPr kumimoji="1" lang="en-US" altLang="ja-JP">
+                <a:solidFill>
+                  <a:srgbClr val="FF0000"/>
+                </a:solidFill>
+                <a:latin typeface="メイリオ"/>
+                <a:ea typeface="メイリオ"/>
+                <a:cs typeface="メイリオ"/>
+              </a:rPr>
+              <a:t>S3</a:t>
+            </a:r>
+            <a:r>
+              <a:rPr kumimoji="1" lang="ja-JP" altLang="en-US">
+                <a:solidFill>
+                  <a:srgbClr val="FF0000"/>
+                </a:solidFill>
+                <a:latin typeface="メイリオ"/>
+                <a:ea typeface="メイリオ"/>
+                <a:cs typeface="メイリオ"/>
+              </a:rPr>
+              <a:t>を選択</a:t>
+            </a:r>
+            <a:endParaRPr kumimoji="1" lang="ja-JP" altLang="en-US">
+              <a:solidFill>
+                <a:srgbClr val="FF0000"/>
+              </a:solidFill>
+              <a:latin typeface="メイリオ"/>
+              <a:ea typeface="メイリオ"/>
+              <a:cs typeface="メイリオ"/>
+            </a:endParaRPr>
+          </a:p>
+        </p:txBody>
+      </p:sp>
+      <p:sp>
+        <p:nvSpPr>
+          <p:cNvPr id="6" name="正方形/長方形 5"/>
+          <p:cNvSpPr/>
+          <p:nvPr/>
+        </p:nvSpPr>
+        <p:spPr>
+          <a:xfrm>
+            <a:off x="3499273" y="1463525"/>
+            <a:ext cx="2270155" cy="267731"/>
+          </a:xfrm>
+          <a:prstGeom prst="rect">
+            <a:avLst/>
+          </a:prstGeom>
+          <a:noFill/>
+          <a:ln w="28575">
+            <a:solidFill>
+              <a:srgbClr val="FF0000"/>
+            </a:solidFill>
+          </a:ln>
+          <a:effectLst/>
+        </p:spPr>
+        <p:style>
+          <a:lnRef idx="1">
+            <a:schemeClr val="accent1"/>
+          </a:lnRef>
+          <a:fillRef idx="3">
+            <a:schemeClr val="accent1"/>
+          </a:fillRef>
+          <a:effectRef idx="2">
+            <a:schemeClr val="accent1"/>
+          </a:effectRef>
+          <a:fontRef idx="minor">
+            <a:schemeClr val="lt1"/>
+          </a:fontRef>
+        </p:style>
+        <p:txBody>
+          <a:bodyPr rtlCol="0" anchor="ctr"/>
+          <a:lstStyle/>
+          <a:p>
+            <a:pPr algn="ctr"/>
+            <a:endParaRPr kumimoji="1" lang="ja-JP" altLang="en-US"/>
+          </a:p>
+        </p:txBody>
+      </p:sp>
+      <p:sp>
+        <p:nvSpPr>
+          <p:cNvPr id="7" name="テキスト ボックス 6"/>
+          <p:cNvSpPr txBox="1"/>
+          <p:nvPr/>
+        </p:nvSpPr>
+        <p:spPr>
+          <a:xfrm>
+            <a:off x="289697" y="1439335"/>
+            <a:ext cx="2770421" cy="369332"/>
+          </a:xfrm>
+          <a:prstGeom prst="rect">
+            <a:avLst/>
+          </a:prstGeom>
+          <a:noFill/>
+        </p:spPr>
+        <p:txBody>
+          <a:bodyPr wrap="square" rtlCol="0">
+            <a:spAutoFit/>
+          </a:bodyPr>
+          <a:lstStyle/>
+          <a:p>
+            <a:r>
+              <a:rPr kumimoji="1" lang="ja-JP" altLang="en-US">
+                <a:solidFill>
+                  <a:srgbClr val="FF0000"/>
+                </a:solidFill>
+                <a:latin typeface="メイリオ"/>
+                <a:ea typeface="メイリオ"/>
+                <a:cs typeface="メイリオ"/>
+              </a:rPr>
+              <a:t>一意につけたバケット名</a:t>
+            </a:r>
+            <a:endParaRPr kumimoji="1" lang="ja-JP" altLang="en-US">
+              <a:solidFill>
+                <a:srgbClr val="FF0000"/>
+              </a:solidFill>
+              <a:latin typeface="メイリオ"/>
+              <a:ea typeface="メイリオ"/>
+              <a:cs typeface="メイリオ"/>
+            </a:endParaRPr>
+          </a:p>
+        </p:txBody>
+      </p:sp>
+      <p:sp>
+        <p:nvSpPr>
+          <p:cNvPr id="10" name="正方形/長方形 9"/>
+          <p:cNvSpPr/>
+          <p:nvPr/>
+        </p:nvSpPr>
+        <p:spPr>
+          <a:xfrm>
+            <a:off x="3499273" y="1962704"/>
+            <a:ext cx="2270155" cy="267731"/>
+          </a:xfrm>
+          <a:prstGeom prst="rect">
+            <a:avLst/>
+          </a:prstGeom>
+          <a:noFill/>
+          <a:ln w="28575">
+            <a:solidFill>
+              <a:srgbClr val="FF0000"/>
+            </a:solidFill>
+          </a:ln>
+          <a:effectLst/>
+        </p:spPr>
+        <p:style>
+          <a:lnRef idx="1">
+            <a:schemeClr val="accent1"/>
+          </a:lnRef>
+          <a:fillRef idx="3">
+            <a:schemeClr val="accent1"/>
+          </a:fillRef>
+          <a:effectRef idx="2">
+            <a:schemeClr val="accent1"/>
+          </a:effectRef>
+          <a:fontRef idx="minor">
+            <a:schemeClr val="lt1"/>
+          </a:fontRef>
+        </p:style>
+        <p:txBody>
+          <a:bodyPr rtlCol="0" anchor="ctr"/>
+          <a:lstStyle/>
+          <a:p>
+            <a:pPr algn="ctr"/>
+            <a:endParaRPr kumimoji="1" lang="ja-JP" altLang="en-US"/>
+          </a:p>
+        </p:txBody>
+      </p:sp>
+      <p:sp>
+        <p:nvSpPr>
+          <p:cNvPr id="11" name="テキスト ボックス 10"/>
+          <p:cNvSpPr txBox="1"/>
+          <p:nvPr/>
+        </p:nvSpPr>
+        <p:spPr>
+          <a:xfrm>
+            <a:off x="201524" y="1950609"/>
+            <a:ext cx="3225179" cy="369332"/>
+          </a:xfrm>
+          <a:prstGeom prst="rect">
+            <a:avLst/>
+          </a:prstGeom>
+          <a:noFill/>
+        </p:spPr>
+        <p:txBody>
+          <a:bodyPr wrap="square" rtlCol="0">
+            <a:spAutoFit/>
+          </a:bodyPr>
+          <a:lstStyle/>
+          <a:p>
+            <a:r>
+              <a:rPr kumimoji="1" lang="en-US" altLang="ja-JP">
+                <a:solidFill>
+                  <a:srgbClr val="FF0000"/>
+                </a:solidFill>
+                <a:latin typeface="メイリオ"/>
+                <a:ea typeface="メイリオ"/>
+                <a:cs typeface="メイリオ"/>
+              </a:rPr>
+              <a:t>Object Created(All)</a:t>
+            </a:r>
+            <a:r>
+              <a:rPr kumimoji="1" lang="ja-JP" altLang="en-US">
+                <a:solidFill>
+                  <a:srgbClr val="FF0000"/>
+                </a:solidFill>
+                <a:latin typeface="メイリオ"/>
+                <a:ea typeface="メイリオ"/>
+                <a:cs typeface="メイリオ"/>
+              </a:rPr>
+              <a:t>を選択</a:t>
+            </a:r>
+            <a:endParaRPr kumimoji="1" lang="ja-JP" altLang="en-US">
+              <a:solidFill>
+                <a:srgbClr val="FF0000"/>
+              </a:solidFill>
+              <a:latin typeface="メイリオ"/>
+              <a:ea typeface="メイリオ"/>
+              <a:cs typeface="メイリオ"/>
+            </a:endParaRPr>
+          </a:p>
+        </p:txBody>
+      </p:sp>
+      <p:sp>
+        <p:nvSpPr>
+          <p:cNvPr id="12" name="テキスト ボックス 11"/>
+          <p:cNvSpPr txBox="1"/>
+          <p:nvPr/>
+        </p:nvSpPr>
+        <p:spPr>
+          <a:xfrm>
+            <a:off x="1729620" y="2443240"/>
+            <a:ext cx="1387444" cy="369332"/>
+          </a:xfrm>
+          <a:prstGeom prst="rect">
+            <a:avLst/>
+          </a:prstGeom>
+          <a:noFill/>
+        </p:spPr>
+        <p:txBody>
+          <a:bodyPr wrap="square" rtlCol="0">
+            <a:spAutoFit/>
+          </a:bodyPr>
+          <a:lstStyle/>
+          <a:p>
+            <a:r>
+              <a:rPr kumimoji="1" lang="ja-JP" altLang="en-US">
+                <a:solidFill>
+                  <a:srgbClr val="FF0000"/>
+                </a:solidFill>
+                <a:latin typeface="メイリオ"/>
+                <a:ea typeface="メイリオ"/>
+                <a:cs typeface="メイリオ"/>
+              </a:rPr>
+              <a:t>空欄のまま</a:t>
+            </a:r>
+            <a:endParaRPr kumimoji="1" lang="ja-JP" altLang="en-US">
+              <a:solidFill>
+                <a:srgbClr val="FF0000"/>
+              </a:solidFill>
+              <a:latin typeface="メイリオ"/>
+              <a:ea typeface="メイリオ"/>
+              <a:cs typeface="メイリオ"/>
+            </a:endParaRPr>
+          </a:p>
+        </p:txBody>
+      </p:sp>
+      <p:sp>
+        <p:nvSpPr>
+          <p:cNvPr id="13" name="テキスト ボックス 12"/>
+          <p:cNvSpPr txBox="1"/>
+          <p:nvPr/>
+        </p:nvSpPr>
+        <p:spPr>
+          <a:xfrm>
+            <a:off x="1741715" y="2887567"/>
+            <a:ext cx="1387444" cy="369332"/>
+          </a:xfrm>
+          <a:prstGeom prst="rect">
+            <a:avLst/>
+          </a:prstGeom>
+          <a:noFill/>
+        </p:spPr>
+        <p:txBody>
+          <a:bodyPr wrap="square" rtlCol="0">
+            <a:spAutoFit/>
+          </a:bodyPr>
+          <a:lstStyle/>
+          <a:p>
+            <a:r>
+              <a:rPr kumimoji="1" lang="ja-JP" altLang="en-US">
+                <a:solidFill>
+                  <a:srgbClr val="FF0000"/>
+                </a:solidFill>
+                <a:latin typeface="メイリオ"/>
+                <a:ea typeface="メイリオ"/>
+                <a:cs typeface="メイリオ"/>
+              </a:rPr>
+              <a:t>空欄のまま</a:t>
+            </a:r>
+            <a:endParaRPr kumimoji="1" lang="ja-JP" altLang="en-US">
+              <a:solidFill>
+                <a:srgbClr val="FF0000"/>
+              </a:solidFill>
+              <a:latin typeface="メイリオ"/>
+              <a:ea typeface="メイリオ"/>
+              <a:cs typeface="メイリオ"/>
+            </a:endParaRPr>
+          </a:p>
+        </p:txBody>
+      </p:sp>
+      <p:sp>
+        <p:nvSpPr>
+          <p:cNvPr id="16" name="正方形/長方形 15"/>
+          <p:cNvSpPr/>
+          <p:nvPr/>
+        </p:nvSpPr>
+        <p:spPr>
+          <a:xfrm>
+            <a:off x="3442324" y="3938209"/>
+            <a:ext cx="319296" cy="367696"/>
+          </a:xfrm>
+          <a:prstGeom prst="rect">
+            <a:avLst/>
+          </a:prstGeom>
+          <a:noFill/>
+          <a:ln w="28575">
+            <a:solidFill>
+              <a:srgbClr val="FF0000"/>
+            </a:solidFill>
+          </a:ln>
+          <a:effectLst/>
+        </p:spPr>
+        <p:style>
+          <a:lnRef idx="1">
+            <a:schemeClr val="accent1"/>
+          </a:lnRef>
+          <a:fillRef idx="3">
+            <a:schemeClr val="accent1"/>
+          </a:fillRef>
+          <a:effectRef idx="2">
+            <a:schemeClr val="accent1"/>
+          </a:effectRef>
+          <a:fontRef idx="minor">
+            <a:schemeClr val="lt1"/>
+          </a:fontRef>
+        </p:style>
+        <p:txBody>
+          <a:bodyPr rtlCol="0" anchor="ctr"/>
+          <a:lstStyle/>
+          <a:p>
+            <a:pPr algn="ctr"/>
+            <a:endParaRPr kumimoji="1" lang="ja-JP" altLang="en-US"/>
+          </a:p>
+        </p:txBody>
+      </p:sp>
+      <p:sp>
+        <p:nvSpPr>
+          <p:cNvPr id="17" name="テキスト ボックス 16"/>
+          <p:cNvSpPr txBox="1"/>
+          <p:nvPr/>
+        </p:nvSpPr>
+        <p:spPr>
+          <a:xfrm>
+            <a:off x="3889829" y="3943830"/>
+            <a:ext cx="2387600" cy="369332"/>
+          </a:xfrm>
+          <a:prstGeom prst="rect">
+            <a:avLst/>
+          </a:prstGeom>
+          <a:noFill/>
+        </p:spPr>
+        <p:txBody>
+          <a:bodyPr wrap="square" rtlCol="0">
+            <a:spAutoFit/>
+          </a:bodyPr>
+          <a:lstStyle/>
+          <a:p>
+            <a:r>
+              <a:rPr kumimoji="1" lang="ja-JP" altLang="en-US">
+                <a:solidFill>
+                  <a:srgbClr val="FF0000"/>
+                </a:solidFill>
+                <a:latin typeface="メイリオ"/>
+                <a:ea typeface="メイリオ"/>
+                <a:cs typeface="メイリオ"/>
+              </a:rPr>
+              <a:t>チェックを入れる</a:t>
+            </a:r>
+            <a:endParaRPr kumimoji="1" lang="ja-JP" altLang="en-US">
+              <a:solidFill>
+                <a:srgbClr val="FF0000"/>
+              </a:solidFill>
+              <a:latin typeface="メイリオ"/>
+              <a:ea typeface="メイリオ"/>
+              <a:cs typeface="メイリオ"/>
+            </a:endParaRPr>
+          </a:p>
+        </p:txBody>
+      </p:sp>
+    </p:spTree>
+    <p:extLst>
+      <p:ext uri="{BB962C8B-B14F-4D97-AF65-F5344CB8AC3E}">
+        <p14:creationId xmlns:p14="http://schemas.microsoft.com/office/powerpoint/2010/main" val="3004932981"/>
+      </p:ext>
+    </p:extLst>
+  </p:cSld>
+  <p:clrMapOvr>
+    <a:masterClrMapping/>
+  </p:clrMapOvr>
+  <p:timing>
+    <p:tnLst>
+      <p:par>
+        <p:cTn xmlns:p14="http://schemas.microsoft.com/office/powerpoint/2010/main" id="1" dur="indefinite" restart="never" nodeType="tmRoot"/>
+      </p:par>
+    </p:tnLst>
+  </p:timing>
+</p:sld>
+</file>
+
+<file path=ppt/slides/slide12.xml><?xml version="1.0" encoding="utf-8"?>
+<p:sld xmlns:a="http://schemas.openxmlformats.org/drawingml/2006/main" xmlns:r="http://schemas.openxmlformats.org/officeDocument/2006/relationships" xmlns:p="http://schemas.openxmlformats.org/presentationml/2006/main">
+  <p:cSld>
+    <p:spTree>
+      <p:nvGrpSpPr>
+        <p:cNvPr id="1" name=""/>
+        <p:cNvGrpSpPr/>
+        <p:nvPr/>
+      </p:nvGrpSpPr>
+      <p:grpSpPr>
+        <a:xfrm>
+          <a:off x="0" y="0"/>
+          <a:ext cx="0" cy="0"/>
+          <a:chOff x="0" y="0"/>
+          <a:chExt cx="0" cy="0"/>
+        </a:xfrm>
+      </p:grpSpPr>
+      <p:sp>
+        <p:nvSpPr>
+          <p:cNvPr id="2" name="タイトル 1"/>
+          <p:cNvSpPr>
+            <a:spLocks noGrp="1"/>
+          </p:cNvSpPr>
+          <p:nvPr>
+            <p:ph type="title"/>
+          </p:nvPr>
+        </p:nvSpPr>
+        <p:spPr/>
+        <p:txBody>
+          <a:bodyPr/>
+          <a:lstStyle/>
+          <a:p>
+            <a:r>
+              <a:rPr kumimoji="1" lang="en-US" altLang="ja-JP"/>
+              <a:t>Lambda</a:t>
+            </a:r>
+            <a:r>
+              <a:rPr kumimoji="1" lang="ja-JP" altLang="en-US"/>
+              <a:t>の作成</a:t>
+            </a:r>
+          </a:p>
+        </p:txBody>
+      </p:sp>
+      <p:sp>
+        <p:nvSpPr>
+          <p:cNvPr id="3" name="コンテンツ プレースホルダー 2"/>
+          <p:cNvSpPr>
+            <a:spLocks noGrp="1"/>
+          </p:cNvSpPr>
+          <p:nvPr>
+            <p:ph idx="1"/>
+          </p:nvPr>
+        </p:nvSpPr>
+        <p:spPr/>
+        <p:txBody>
+          <a:bodyPr>
+            <a:normAutofit/>
+          </a:bodyPr>
+          <a:lstStyle/>
+          <a:p>
+            <a:r>
+              <a:rPr kumimoji="1" lang="en-US" altLang="ja-JP"/>
+              <a:t>Configure function</a:t>
+            </a:r>
+          </a:p>
+          <a:p>
+            <a:pPr lvl="1"/>
+            <a:r>
+              <a:rPr lang="en-US" altLang="ja-JP"/>
+              <a:t>Name : lambda-s3-function</a:t>
+            </a:r>
+          </a:p>
+          <a:p>
+            <a:pPr lvl="1"/>
+            <a:r>
+              <a:rPr kumimoji="1" lang="en-US" altLang="ja-JP"/>
+              <a:t>Description</a:t>
+            </a:r>
+            <a:r>
+              <a:rPr lang="en-US" altLang="ja-JP"/>
+              <a:t> , Runtime </a:t>
+            </a:r>
+            <a:r>
+              <a:rPr lang="ja-JP" altLang="en-US"/>
+              <a:t>はそのまま</a:t>
+            </a:r>
+            <a:endParaRPr lang="en-US" altLang="ja-JP"/>
+          </a:p>
+          <a:p>
+            <a:r>
+              <a:rPr lang="en-US" altLang="ja-JP"/>
+              <a:t>Code entry type</a:t>
+            </a:r>
+          </a:p>
+          <a:p>
+            <a:pPr lvl="1"/>
+            <a:r>
+              <a:rPr lang="ja-JP" altLang="en-US"/>
+              <a:t>コードをコピー＆ペースト</a:t>
+            </a:r>
+            <a:endParaRPr lang="en-US" altLang="ja-JP"/>
+          </a:p>
+          <a:p>
+            <a:r>
+              <a:rPr lang="en-US" altLang="ja-JP"/>
+              <a:t>Lambda function handler and role</a:t>
+            </a:r>
+          </a:p>
+          <a:p>
+            <a:pPr lvl="1"/>
+            <a:r>
+              <a:rPr lang="en-US" altLang="ja-JP"/>
+              <a:t>Handler </a:t>
+            </a:r>
+            <a:r>
+              <a:rPr lang="ja-JP" altLang="en-US"/>
+              <a:t>はそのまま</a:t>
+            </a:r>
+            <a:endParaRPr lang="en-US" altLang="ja-JP"/>
+          </a:p>
+          <a:p>
+            <a:pPr lvl="1"/>
+            <a:r>
+              <a:rPr lang="en-US" altLang="ja-JP"/>
+              <a:t>Role : Create new role from template(s) </a:t>
+            </a:r>
+            <a:r>
+              <a:rPr lang="ja-JP" altLang="en-US"/>
+              <a:t>を選択</a:t>
+            </a:r>
+            <a:endParaRPr lang="en-US" altLang="ja-JP"/>
+          </a:p>
+          <a:p>
+            <a:pPr lvl="1"/>
+            <a:r>
+              <a:rPr lang="en-US" altLang="ja-JP"/>
+              <a:t>Role name</a:t>
+            </a:r>
+            <a:r>
+              <a:rPr lang="ja-JP" altLang="en-US"/>
+              <a:t>：</a:t>
+            </a:r>
+            <a:r>
+              <a:rPr lang="en-US" altLang="ja-JP"/>
+              <a:t>lambda-s3-role</a:t>
+            </a:r>
+          </a:p>
+          <a:p>
+            <a:pPr lvl="1"/>
+            <a:r>
+              <a:rPr lang="en-US" altLang="ja-JP"/>
+              <a:t>Pollecy templates S3 object read-only permissions </a:t>
+            </a:r>
+            <a:r>
+              <a:rPr lang="ja-JP" altLang="en-US"/>
+              <a:t>を選択</a:t>
+            </a:r>
+            <a:endParaRPr lang="en-US" altLang="ja-JP"/>
+          </a:p>
+          <a:p>
+            <a:endParaRPr lang="en-US" altLang="ja-JP"/>
+          </a:p>
+        </p:txBody>
+      </p:sp>
+    </p:spTree>
+    <p:extLst>
+      <p:ext uri="{BB962C8B-B14F-4D97-AF65-F5344CB8AC3E}">
+        <p14:creationId xmlns:p14="http://schemas.microsoft.com/office/powerpoint/2010/main" val="1945987719"/>
+      </p:ext>
+    </p:extLst>
+  </p:cSld>
+  <p:clrMapOvr>
+    <a:masterClrMapping/>
+  </p:clrMapOvr>
+  <p:timing>
+    <p:tnLst>
+      <p:par>
+        <p:cTn xmlns:p14="http://schemas.microsoft.com/office/powerpoint/2010/main" id="1" dur="indefinite" restart="never" nodeType="tmRoot"/>
+      </p:par>
+    </p:tnLst>
+  </p:timing>
+</p:sld>
+</file>
+
+<file path=ppt/slides/slide13.xml><?xml version="1.0" encoding="utf-8"?>
+<p:sld xmlns:a="http://schemas.openxmlformats.org/drawingml/2006/main" xmlns:r="http://schemas.openxmlformats.org/officeDocument/2006/relationships" xmlns:p="http://schemas.openxmlformats.org/presentationml/2006/main">
+  <p:cSld>
+    <p:spTree>
+      <p:nvGrpSpPr>
+        <p:cNvPr id="1" name=""/>
+        <p:cNvGrpSpPr/>
+        <p:nvPr/>
+      </p:nvGrpSpPr>
+      <p:grpSpPr>
+        <a:xfrm>
+          <a:off x="0" y="0"/>
+          <a:ext cx="0" cy="0"/>
+          <a:chOff x="0" y="0"/>
+          <a:chExt cx="0" cy="0"/>
+        </a:xfrm>
+      </p:grpSpPr>
+      <p:sp>
+        <p:nvSpPr>
+          <p:cNvPr id="2" name="タイトル 1"/>
+          <p:cNvSpPr>
+            <a:spLocks noGrp="1"/>
+          </p:cNvSpPr>
+          <p:nvPr>
+            <p:ph type="title"/>
+          </p:nvPr>
+        </p:nvSpPr>
+        <p:spPr/>
+        <p:txBody>
+          <a:bodyPr/>
+          <a:lstStyle/>
+          <a:p>
+            <a:r>
+              <a:rPr kumimoji="1" lang="en-US" altLang="ja-JP"/>
+              <a:t>Lambda</a:t>
+            </a:r>
+            <a:r>
+              <a:rPr kumimoji="1" lang="ja-JP" altLang="en-US"/>
+              <a:t>の作成</a:t>
+            </a:r>
+            <a:endParaRPr kumimoji="1" lang="ja-JP" altLang="en-US"/>
+          </a:p>
+        </p:txBody>
+      </p:sp>
+      <p:pic>
+        <p:nvPicPr>
+          <p:cNvPr id="4" name="図 3" descr="スクリーンショット 2016-10-27 17.14.57.png"/>
+          <p:cNvPicPr>
+            <a:picLocks noChangeAspect="1"/>
+          </p:cNvPicPr>
+          <p:nvPr/>
+        </p:nvPicPr>
+        <p:blipFill>
+          <a:blip r:embed="rId2">
+            <a:extLst>
+              <a:ext uri="{28A0092B-C50C-407E-A947-70E740481C1C}">
+                <a14:useLocalDpi xmlns:a14="http://schemas.microsoft.com/office/drawing/2010/main" val="0"/>
+              </a:ext>
+            </a:extLst>
+          </a:blip>
+          <a:stretch>
+            <a:fillRect/>
+          </a:stretch>
+        </p:blipFill>
+        <p:spPr>
+          <a:xfrm>
+            <a:off x="0" y="1151356"/>
+            <a:ext cx="9144000" cy="2898274"/>
+          </a:xfrm>
+          <a:prstGeom prst="rect">
+            <a:avLst/>
+          </a:prstGeom>
+        </p:spPr>
+      </p:pic>
+      <p:sp>
+        <p:nvSpPr>
+          <p:cNvPr id="5" name="テキスト ボックス 4"/>
+          <p:cNvSpPr txBox="1"/>
+          <p:nvPr/>
+        </p:nvSpPr>
+        <p:spPr>
+          <a:xfrm>
+            <a:off x="5394476" y="1971604"/>
+            <a:ext cx="3072776" cy="369332"/>
+          </a:xfrm>
+          <a:prstGeom prst="rect">
+            <a:avLst/>
+          </a:prstGeom>
+          <a:noFill/>
+        </p:spPr>
+        <p:txBody>
+          <a:bodyPr wrap="none" rtlCol="0">
+            <a:spAutoFit/>
+          </a:bodyPr>
+          <a:lstStyle/>
+          <a:p>
+            <a:r>
+              <a:rPr kumimoji="1" lang="en-US" altLang="ja-JP">
+                <a:solidFill>
+                  <a:srgbClr val="FF0000"/>
+                </a:solidFill>
+                <a:latin typeface="メイリオ"/>
+                <a:ea typeface="メイリオ"/>
+                <a:cs typeface="メイリオ"/>
+              </a:rPr>
+              <a:t>lambda-s3-function</a:t>
+            </a:r>
+            <a:r>
+              <a:rPr kumimoji="1" lang="ja-JP" altLang="en-US">
+                <a:solidFill>
+                  <a:srgbClr val="FF0000"/>
+                </a:solidFill>
+                <a:latin typeface="メイリオ"/>
+                <a:ea typeface="メイリオ"/>
+                <a:cs typeface="メイリオ"/>
+              </a:rPr>
+              <a:t>と入力</a:t>
+            </a:r>
+            <a:endParaRPr kumimoji="1" lang="ja-JP" altLang="en-US">
+              <a:solidFill>
+                <a:srgbClr val="FF0000"/>
+              </a:solidFill>
+              <a:latin typeface="メイリオ"/>
+              <a:ea typeface="メイリオ"/>
+              <a:cs typeface="メイリオ"/>
+            </a:endParaRPr>
+          </a:p>
+        </p:txBody>
+      </p:sp>
+      <p:sp>
+        <p:nvSpPr>
+          <p:cNvPr id="6" name="テキスト ボックス 5"/>
+          <p:cNvSpPr txBox="1"/>
+          <p:nvPr/>
+        </p:nvSpPr>
+        <p:spPr>
+          <a:xfrm>
+            <a:off x="5394476" y="2535243"/>
+            <a:ext cx="1098641" cy="369332"/>
+          </a:xfrm>
+          <a:prstGeom prst="rect">
+            <a:avLst/>
+          </a:prstGeom>
+          <a:noFill/>
+        </p:spPr>
+        <p:txBody>
+          <a:bodyPr wrap="none" rtlCol="0">
+            <a:spAutoFit/>
+          </a:bodyPr>
+          <a:lstStyle/>
+          <a:p>
+            <a:r>
+              <a:rPr kumimoji="1" lang="ja-JP" altLang="en-US">
+                <a:solidFill>
+                  <a:srgbClr val="FF0000"/>
+                </a:solidFill>
+                <a:latin typeface="メイリオ"/>
+                <a:ea typeface="メイリオ"/>
+                <a:cs typeface="メイリオ"/>
+              </a:rPr>
+              <a:t>そのまま</a:t>
+            </a:r>
+            <a:endParaRPr kumimoji="1" lang="ja-JP" altLang="en-US">
+              <a:solidFill>
+                <a:srgbClr val="FF0000"/>
+              </a:solidFill>
+              <a:latin typeface="メイリオ"/>
+              <a:ea typeface="メイリオ"/>
+              <a:cs typeface="メイリオ"/>
+            </a:endParaRPr>
+          </a:p>
+        </p:txBody>
+      </p:sp>
+      <p:sp>
+        <p:nvSpPr>
+          <p:cNvPr id="7" name="テキスト ボックス 6"/>
+          <p:cNvSpPr txBox="1"/>
+          <p:nvPr/>
+        </p:nvSpPr>
+        <p:spPr>
+          <a:xfrm>
+            <a:off x="5425926" y="3081165"/>
+            <a:ext cx="1098641" cy="369332"/>
+          </a:xfrm>
+          <a:prstGeom prst="rect">
+            <a:avLst/>
+          </a:prstGeom>
+          <a:noFill/>
+        </p:spPr>
+        <p:txBody>
+          <a:bodyPr wrap="none" rtlCol="0">
+            <a:spAutoFit/>
+          </a:bodyPr>
+          <a:lstStyle/>
+          <a:p>
+            <a:r>
+              <a:rPr kumimoji="1" lang="ja-JP" altLang="en-US">
+                <a:solidFill>
+                  <a:srgbClr val="FF0000"/>
+                </a:solidFill>
+                <a:latin typeface="メイリオ"/>
+                <a:ea typeface="メイリオ"/>
+                <a:cs typeface="メイリオ"/>
+              </a:rPr>
+              <a:t>そのまま</a:t>
+            </a:r>
+            <a:endParaRPr kumimoji="1" lang="ja-JP" altLang="en-US">
+              <a:solidFill>
+                <a:srgbClr val="FF0000"/>
+              </a:solidFill>
+              <a:latin typeface="メイリオ"/>
+              <a:ea typeface="メイリオ"/>
+              <a:cs typeface="メイリオ"/>
+            </a:endParaRPr>
+          </a:p>
+        </p:txBody>
+      </p:sp>
+    </p:spTree>
+    <p:extLst>
+      <p:ext uri="{BB962C8B-B14F-4D97-AF65-F5344CB8AC3E}">
+        <p14:creationId xmlns:p14="http://schemas.microsoft.com/office/powerpoint/2010/main" val="4101187227"/>
+      </p:ext>
+    </p:extLst>
+  </p:cSld>
+  <p:clrMapOvr>
+    <a:masterClrMapping/>
+  </p:clrMapOvr>
+</p:sld>
+</file>
+
+<file path=ppt/slides/slide14.xml><?xml version="1.0" encoding="utf-8"?>
+<p:sld xmlns:a="http://schemas.openxmlformats.org/drawingml/2006/main" xmlns:r="http://schemas.openxmlformats.org/officeDocument/2006/relationships" xmlns:p="http://schemas.openxmlformats.org/presentationml/2006/main">
+  <p:cSld>
+    <p:spTree>
+      <p:nvGrpSpPr>
+        <p:cNvPr id="1" name=""/>
+        <p:cNvGrpSpPr/>
+        <p:nvPr/>
+      </p:nvGrpSpPr>
+      <p:grpSpPr>
+        <a:xfrm>
+          <a:off x="0" y="0"/>
+          <a:ext cx="0" cy="0"/>
+          <a:chOff x="0" y="0"/>
+          <a:chExt cx="0" cy="0"/>
+        </a:xfrm>
+      </p:grpSpPr>
+      <p:pic>
+        <p:nvPicPr>
+          <p:cNvPr id="4" name="図 3" descr="スクリーンショット 2016-10-27 6.22.21.png"/>
+          <p:cNvPicPr>
+            <a:picLocks noChangeAspect="1"/>
+          </p:cNvPicPr>
+          <p:nvPr/>
+        </p:nvPicPr>
+        <p:blipFill>
+          <a:blip r:embed="rId2">
+            <a:extLst>
+              <a:ext uri="{28A0092B-C50C-407E-A947-70E740481C1C}">
+                <a14:useLocalDpi xmlns:a14="http://schemas.microsoft.com/office/drawing/2010/main" val="0"/>
+              </a:ext>
+            </a:extLst>
+          </a:blip>
+          <a:stretch>
+            <a:fillRect/>
+          </a:stretch>
+        </p:blipFill>
+        <p:spPr>
+          <a:xfrm>
+            <a:off x="806958" y="0"/>
+            <a:ext cx="7530084" cy="5143500"/>
+          </a:xfrm>
+          <a:prstGeom prst="rect">
+            <a:avLst/>
+          </a:prstGeom>
+        </p:spPr>
+      </p:pic>
+      <p:sp>
+        <p:nvSpPr>
+          <p:cNvPr id="3" name="テキスト ボックス 2"/>
+          <p:cNvSpPr txBox="1"/>
+          <p:nvPr/>
+        </p:nvSpPr>
+        <p:spPr>
+          <a:xfrm>
+            <a:off x="5829904" y="67814"/>
+            <a:ext cx="1098641" cy="369332"/>
+          </a:xfrm>
+          <a:prstGeom prst="rect">
+            <a:avLst/>
+          </a:prstGeom>
+          <a:noFill/>
+        </p:spPr>
+        <p:txBody>
+          <a:bodyPr wrap="none" rtlCol="0">
+            <a:spAutoFit/>
+          </a:bodyPr>
+          <a:lstStyle/>
+          <a:p>
+            <a:r>
+              <a:rPr kumimoji="1" lang="ja-JP" altLang="en-US">
+                <a:solidFill>
+                  <a:srgbClr val="FF0000"/>
+                </a:solidFill>
+                <a:latin typeface="メイリオ"/>
+                <a:ea typeface="メイリオ"/>
+                <a:cs typeface="メイリオ"/>
+              </a:rPr>
+              <a:t>そのまま</a:t>
+            </a:r>
+            <a:endParaRPr kumimoji="1" lang="ja-JP" altLang="en-US">
+              <a:solidFill>
+                <a:srgbClr val="FF0000"/>
+              </a:solidFill>
+              <a:latin typeface="メイリオ"/>
+              <a:ea typeface="メイリオ"/>
+              <a:cs typeface="メイリオ"/>
+            </a:endParaRPr>
+          </a:p>
+        </p:txBody>
+      </p:sp>
+      <p:sp>
+        <p:nvSpPr>
+          <p:cNvPr id="5" name="テキスト ボックス 4"/>
+          <p:cNvSpPr txBox="1"/>
+          <p:nvPr/>
+        </p:nvSpPr>
+        <p:spPr>
+          <a:xfrm>
+            <a:off x="5394476" y="1398290"/>
+            <a:ext cx="2522746" cy="646331"/>
+          </a:xfrm>
+          <a:prstGeom prst="rect">
+            <a:avLst/>
+          </a:prstGeom>
+          <a:noFill/>
+        </p:spPr>
+        <p:txBody>
+          <a:bodyPr wrap="none" rtlCol="0">
+            <a:spAutoFit/>
+          </a:bodyPr>
+          <a:lstStyle/>
+          <a:p>
+            <a:r>
+              <a:rPr kumimoji="1" lang="en-US" altLang="ja-JP">
+                <a:solidFill>
+                  <a:srgbClr val="FF0000"/>
+                </a:solidFill>
+                <a:latin typeface="メイリオ"/>
+                <a:ea typeface="メイリオ"/>
+                <a:cs typeface="メイリオ"/>
+              </a:rPr>
+              <a:t>lambda-function.js</a:t>
+            </a:r>
+            <a:r>
+              <a:rPr kumimoji="1" lang="ja-JP" altLang="en-US">
+                <a:solidFill>
+                  <a:srgbClr val="FF0000"/>
+                </a:solidFill>
+                <a:latin typeface="メイリオ"/>
+                <a:ea typeface="メイリオ"/>
+                <a:cs typeface="メイリオ"/>
+              </a:rPr>
+              <a:t>を</a:t>
+            </a:r>
+            <a:endParaRPr kumimoji="1" lang="en-US" altLang="ja-JP">
+              <a:solidFill>
+                <a:srgbClr val="FF0000"/>
+              </a:solidFill>
+              <a:latin typeface="メイリオ"/>
+              <a:ea typeface="メイリオ"/>
+              <a:cs typeface="メイリオ"/>
+            </a:endParaRPr>
+          </a:p>
+          <a:p>
+            <a:r>
+              <a:rPr kumimoji="1" lang="ja-JP" altLang="en-US">
+                <a:solidFill>
+                  <a:srgbClr val="FF0000"/>
+                </a:solidFill>
+                <a:latin typeface="メイリオ"/>
+                <a:ea typeface="メイリオ"/>
+                <a:cs typeface="メイリオ"/>
+              </a:rPr>
+              <a:t>コピー＆ペースト</a:t>
+            </a:r>
+            <a:endParaRPr kumimoji="1" lang="ja-JP" altLang="en-US">
+              <a:solidFill>
+                <a:srgbClr val="FF0000"/>
+              </a:solidFill>
+              <a:latin typeface="メイリオ"/>
+              <a:ea typeface="メイリオ"/>
+              <a:cs typeface="メイリオ"/>
+            </a:endParaRPr>
+          </a:p>
+        </p:txBody>
+      </p:sp>
+      <p:sp>
+        <p:nvSpPr>
+          <p:cNvPr id="6" name="正方形/長方形 5"/>
+          <p:cNvSpPr/>
+          <p:nvPr/>
+        </p:nvSpPr>
+        <p:spPr>
+          <a:xfrm>
+            <a:off x="843243" y="1149046"/>
+            <a:ext cx="7530084" cy="3994453"/>
+          </a:xfrm>
+          <a:prstGeom prst="rect">
+            <a:avLst/>
+          </a:prstGeom>
+          <a:noFill/>
+          <a:ln w="28575">
+            <a:solidFill>
+              <a:srgbClr val="FF0000"/>
+            </a:solidFill>
+          </a:ln>
+          <a:effectLst/>
+        </p:spPr>
+        <p:style>
+          <a:lnRef idx="1">
+            <a:schemeClr val="accent1"/>
+          </a:lnRef>
+          <a:fillRef idx="3">
+            <a:schemeClr val="accent1"/>
+          </a:fillRef>
+          <a:effectRef idx="2">
+            <a:schemeClr val="accent1"/>
+          </a:effectRef>
+          <a:fontRef idx="minor">
+            <a:schemeClr val="lt1"/>
+          </a:fontRef>
+        </p:style>
+        <p:txBody>
+          <a:bodyPr rtlCol="0" anchor="ctr"/>
+          <a:lstStyle/>
+          <a:p>
+            <a:pPr algn="ctr"/>
+            <a:endParaRPr kumimoji="1" lang="ja-JP" altLang="en-US"/>
+          </a:p>
+        </p:txBody>
+      </p:sp>
+    </p:spTree>
+    <p:extLst>
+      <p:ext uri="{BB962C8B-B14F-4D97-AF65-F5344CB8AC3E}">
+        <p14:creationId xmlns:p14="http://schemas.microsoft.com/office/powerpoint/2010/main" val="2785103375"/>
+      </p:ext>
+    </p:extLst>
+  </p:cSld>
+  <p:clrMapOvr>
+    <a:masterClrMapping/>
+  </p:clrMapOvr>
+  <p:timing>
+    <p:tnLst>
+      <p:par>
+        <p:cTn xmlns:p14="http://schemas.microsoft.com/office/powerpoint/2010/main" id="1" dur="indefinite" restart="never" nodeType="tmRoot"/>
+      </p:par>
+    </p:tnLst>
+  </p:timing>
+</p:sld>
+</file>
+
+<file path=ppt/slides/slide15.xml><?xml version="1.0" encoding="utf-8"?>
+<p:sld xmlns:a="http://schemas.openxmlformats.org/drawingml/2006/main" xmlns:r="http://schemas.openxmlformats.org/officeDocument/2006/relationships" xmlns:p="http://schemas.openxmlformats.org/presentationml/2006/main">
+  <p:cSld>
+    <p:spTree>
+      <p:nvGrpSpPr>
+        <p:cNvPr id="1" name=""/>
+        <p:cNvGrpSpPr/>
+        <p:nvPr/>
+      </p:nvGrpSpPr>
+      <p:grpSpPr>
+        <a:xfrm>
+          <a:off x="0" y="0"/>
+          <a:ext cx="0" cy="0"/>
+          <a:chOff x="0" y="0"/>
+          <a:chExt cx="0" cy="0"/>
+        </a:xfrm>
+      </p:grpSpPr>
+      <p:pic>
+        <p:nvPicPr>
+          <p:cNvPr id="4" name="図 3" descr="スクリーンショット 2016-10-27 6.22.45.png"/>
+          <p:cNvPicPr>
+            <a:picLocks noChangeAspect="1"/>
+          </p:cNvPicPr>
+          <p:nvPr/>
+        </p:nvPicPr>
+        <p:blipFill>
+          <a:blip r:embed="rId2">
+            <a:extLst>
+              <a:ext uri="{28A0092B-C50C-407E-A947-70E740481C1C}">
+                <a14:useLocalDpi xmlns:a14="http://schemas.microsoft.com/office/drawing/2010/main" val="0"/>
+              </a:ext>
+            </a:extLst>
+          </a:blip>
+          <a:stretch>
+            <a:fillRect/>
+          </a:stretch>
+        </p:blipFill>
+        <p:spPr>
+          <a:xfrm>
+            <a:off x="0" y="947681"/>
+            <a:ext cx="9144000" cy="3248138"/>
+          </a:xfrm>
+          <a:prstGeom prst="rect">
+            <a:avLst/>
+          </a:prstGeom>
+        </p:spPr>
+      </p:pic>
+      <p:sp>
+        <p:nvSpPr>
+          <p:cNvPr id="3" name="テキスト ボックス 2"/>
+          <p:cNvSpPr txBox="1"/>
+          <p:nvPr/>
+        </p:nvSpPr>
+        <p:spPr>
+          <a:xfrm>
+            <a:off x="4148666" y="1237814"/>
+            <a:ext cx="1098641" cy="369332"/>
+          </a:xfrm>
+          <a:prstGeom prst="rect">
+            <a:avLst/>
+          </a:prstGeom>
+          <a:noFill/>
+        </p:spPr>
+        <p:txBody>
+          <a:bodyPr wrap="none" rtlCol="0">
+            <a:spAutoFit/>
+          </a:bodyPr>
+          <a:lstStyle/>
+          <a:p>
+            <a:r>
+              <a:rPr kumimoji="1" lang="ja-JP" altLang="en-US">
+                <a:solidFill>
+                  <a:srgbClr val="FF0000"/>
+                </a:solidFill>
+                <a:latin typeface="メイリオ"/>
+                <a:ea typeface="メイリオ"/>
+                <a:cs typeface="メイリオ"/>
+              </a:rPr>
+              <a:t>そのまま</a:t>
+            </a:r>
+            <a:endParaRPr kumimoji="1" lang="ja-JP" altLang="en-US">
+              <a:solidFill>
+                <a:srgbClr val="FF0000"/>
+              </a:solidFill>
+              <a:latin typeface="メイリオ"/>
+              <a:ea typeface="メイリオ"/>
+              <a:cs typeface="メイリオ"/>
+            </a:endParaRPr>
+          </a:p>
+        </p:txBody>
+      </p:sp>
+      <p:sp>
+        <p:nvSpPr>
+          <p:cNvPr id="5" name="テキスト ボックス 4"/>
+          <p:cNvSpPr txBox="1"/>
+          <p:nvPr/>
+        </p:nvSpPr>
+        <p:spPr>
+          <a:xfrm>
+            <a:off x="4148666" y="1777343"/>
+            <a:ext cx="4673074" cy="369332"/>
+          </a:xfrm>
+          <a:prstGeom prst="rect">
+            <a:avLst/>
+          </a:prstGeom>
+          <a:noFill/>
+        </p:spPr>
+        <p:txBody>
+          <a:bodyPr wrap="none" rtlCol="0">
+            <a:spAutoFit/>
+          </a:bodyPr>
+          <a:lstStyle/>
+          <a:p>
+            <a:r>
+              <a:rPr lang="en-US" altLang="ja-JP">
+                <a:solidFill>
+                  <a:srgbClr val="FF0000"/>
+                </a:solidFill>
+                <a:latin typeface="メイリオ"/>
+                <a:ea typeface="メイリオ"/>
+                <a:cs typeface="メイリオ"/>
+              </a:rPr>
+              <a:t>Create new role from template(s)</a:t>
+            </a:r>
+            <a:r>
+              <a:rPr lang="ja-JP" altLang="en-US">
+                <a:solidFill>
+                  <a:srgbClr val="FF0000"/>
+                </a:solidFill>
+                <a:latin typeface="メイリオ"/>
+                <a:ea typeface="メイリオ"/>
+                <a:cs typeface="メイリオ"/>
+              </a:rPr>
+              <a:t>を選択</a:t>
+            </a:r>
+            <a:endParaRPr kumimoji="1" lang="ja-JP" altLang="en-US">
+              <a:solidFill>
+                <a:srgbClr val="FF0000"/>
+              </a:solidFill>
+              <a:latin typeface="メイリオ"/>
+              <a:ea typeface="メイリオ"/>
+              <a:cs typeface="メイリオ"/>
+            </a:endParaRPr>
+          </a:p>
+        </p:txBody>
+      </p:sp>
+      <p:sp>
+        <p:nvSpPr>
+          <p:cNvPr id="6" name="テキスト ボックス 5"/>
+          <p:cNvSpPr txBox="1"/>
+          <p:nvPr/>
+        </p:nvSpPr>
+        <p:spPr>
+          <a:xfrm>
+            <a:off x="4451047" y="2922290"/>
+            <a:ext cx="2591387" cy="369332"/>
+          </a:xfrm>
+          <a:prstGeom prst="rect">
+            <a:avLst/>
+          </a:prstGeom>
+          <a:noFill/>
+        </p:spPr>
+        <p:txBody>
+          <a:bodyPr wrap="none" rtlCol="0">
+            <a:spAutoFit/>
+          </a:bodyPr>
+          <a:lstStyle/>
+          <a:p>
+            <a:r>
+              <a:rPr kumimoji="1" lang="en-US" altLang="ja-JP">
+                <a:solidFill>
+                  <a:srgbClr val="FF0000"/>
+                </a:solidFill>
+                <a:latin typeface="メイリオ"/>
+                <a:ea typeface="メイリオ"/>
+                <a:cs typeface="メイリオ"/>
+              </a:rPr>
+              <a:t>lambda-s3-role</a:t>
+            </a:r>
+            <a:r>
+              <a:rPr kumimoji="1" lang="ja-JP" altLang="en-US">
+                <a:solidFill>
+                  <a:srgbClr val="FF0000"/>
+                </a:solidFill>
+                <a:latin typeface="メイリオ"/>
+                <a:ea typeface="メイリオ"/>
+                <a:cs typeface="メイリオ"/>
+              </a:rPr>
+              <a:t>と入力</a:t>
+            </a:r>
+            <a:endParaRPr kumimoji="1" lang="ja-JP" altLang="en-US">
+              <a:solidFill>
+                <a:srgbClr val="FF0000"/>
+              </a:solidFill>
+              <a:latin typeface="メイリオ"/>
+              <a:ea typeface="メイリオ"/>
+              <a:cs typeface="メイリオ"/>
+            </a:endParaRPr>
+          </a:p>
+        </p:txBody>
+      </p:sp>
+      <p:sp>
+        <p:nvSpPr>
+          <p:cNvPr id="7" name="テキスト ボックス 6"/>
+          <p:cNvSpPr txBox="1"/>
+          <p:nvPr/>
+        </p:nvSpPr>
+        <p:spPr>
+          <a:xfrm>
+            <a:off x="4451047" y="3466576"/>
+            <a:ext cx="3390672" cy="369332"/>
+          </a:xfrm>
+          <a:prstGeom prst="rect">
+            <a:avLst/>
+          </a:prstGeom>
+          <a:noFill/>
+        </p:spPr>
+        <p:txBody>
+          <a:bodyPr wrap="none" rtlCol="0">
+            <a:spAutoFit/>
+          </a:bodyPr>
+          <a:lstStyle/>
+          <a:p>
+            <a:r>
+              <a:rPr kumimoji="1" lang="en-US" altLang="ja-JP">
+                <a:solidFill>
+                  <a:srgbClr val="FF0000"/>
+                </a:solidFill>
+                <a:latin typeface="メイリオ"/>
+                <a:ea typeface="メイリオ"/>
+                <a:cs typeface="メイリオ"/>
+              </a:rPr>
+              <a:t>S3 object read-only... </a:t>
+            </a:r>
+            <a:r>
+              <a:rPr kumimoji="1" lang="ja-JP" altLang="en-US">
+                <a:solidFill>
+                  <a:srgbClr val="FF0000"/>
+                </a:solidFill>
+                <a:latin typeface="メイリオ"/>
+                <a:ea typeface="メイリオ"/>
+                <a:cs typeface="メイリオ"/>
+              </a:rPr>
+              <a:t>を選択</a:t>
+            </a:r>
+            <a:endParaRPr kumimoji="1" lang="ja-JP" altLang="en-US">
+              <a:solidFill>
+                <a:srgbClr val="FF0000"/>
+              </a:solidFill>
+              <a:latin typeface="メイリオ"/>
+              <a:ea typeface="メイリオ"/>
+              <a:cs typeface="メイリオ"/>
+            </a:endParaRPr>
+          </a:p>
+        </p:txBody>
+      </p:sp>
+    </p:spTree>
+    <p:extLst>
+      <p:ext uri="{BB962C8B-B14F-4D97-AF65-F5344CB8AC3E}">
+        <p14:creationId xmlns:p14="http://schemas.microsoft.com/office/powerpoint/2010/main" val="2773034094"/>
+      </p:ext>
+    </p:extLst>
+  </p:cSld>
+  <p:clrMapOvr>
+    <a:masterClrMapping/>
+  </p:clrMapOvr>
+  <p:timing>
+    <p:tnLst>
+      <p:par>
+        <p:cTn xmlns:p14="http://schemas.microsoft.com/office/powerpoint/2010/main" id="1" dur="indefinite" restart="never" nodeType="tmRoot"/>
+      </p:par>
+    </p:tnLst>
+  </p:timing>
+</p:sld>
+</file>
+
+<file path=ppt/slides/slide16.xml><?xml version="1.0" encoding="utf-8"?>
+<p:sld xmlns:a="http://schemas.openxmlformats.org/drawingml/2006/main" xmlns:r="http://schemas.openxmlformats.org/officeDocument/2006/relationships" xmlns:p="http://schemas.openxmlformats.org/presentationml/2006/main">
+  <p:cSld>
+    <p:spTree>
+      <p:nvGrpSpPr>
+        <p:cNvPr id="1" name=""/>
+        <p:cNvGrpSpPr/>
+        <p:nvPr/>
+      </p:nvGrpSpPr>
+      <p:grpSpPr>
+        <a:xfrm>
+          <a:off x="0" y="0"/>
+          <a:ext cx="0" cy="0"/>
+          <a:chOff x="0" y="0"/>
+          <a:chExt cx="0" cy="0"/>
+        </a:xfrm>
+      </p:grpSpPr>
       <p:sp>
         <p:nvSpPr>
           <p:cNvPr id="2" name="タイトル 1"/>
@@ -3453,7 +5031,7 @@
 </p:sld>
 </file>
 
-<file path=ppt/slides/slide12.xml><?xml version="1.0" encoding="utf-8"?>
+<file path=ppt/slides/slide17.xml><?xml version="1.0" encoding="utf-8"?>
 <p:sld xmlns:a="http://schemas.openxmlformats.org/drawingml/2006/main" xmlns:r="http://schemas.openxmlformats.org/officeDocument/2006/relationships" xmlns:p="http://schemas.openxmlformats.org/presentationml/2006/main">
   <p:cSld>
     <p:spTree>
@@ -3500,6 +5078,227 @@
           </a:prstGeom>
         </p:spPr>
       </p:pic>
+      <p:sp>
+        <p:nvSpPr>
+          <p:cNvPr id="3" name="テキスト ボックス 2"/>
+          <p:cNvSpPr txBox="1"/>
+          <p:nvPr/>
+        </p:nvSpPr>
+        <p:spPr>
+          <a:xfrm>
+            <a:off x="6379224" y="1543434"/>
+            <a:ext cx="1098641" cy="369332"/>
+          </a:xfrm>
+          <a:prstGeom prst="rect">
+            <a:avLst/>
+          </a:prstGeom>
+          <a:noFill/>
+        </p:spPr>
+        <p:txBody>
+          <a:bodyPr wrap="none" rtlCol="0">
+            <a:spAutoFit/>
+          </a:bodyPr>
+          <a:lstStyle/>
+          <a:p>
+            <a:r>
+              <a:rPr kumimoji="1" lang="ja-JP" altLang="en-US">
+                <a:solidFill>
+                  <a:srgbClr val="FF0000"/>
+                </a:solidFill>
+                <a:latin typeface="メイリオ"/>
+                <a:ea typeface="メイリオ"/>
+                <a:cs typeface="メイリオ"/>
+              </a:rPr>
+              <a:t>そのまま</a:t>
+            </a:r>
+            <a:endParaRPr kumimoji="1" lang="ja-JP" altLang="en-US">
+              <a:solidFill>
+                <a:srgbClr val="FF0000"/>
+              </a:solidFill>
+              <a:latin typeface="メイリオ"/>
+              <a:ea typeface="メイリオ"/>
+              <a:cs typeface="メイリオ"/>
+            </a:endParaRPr>
+          </a:p>
+        </p:txBody>
+      </p:sp>
+      <p:sp>
+        <p:nvSpPr>
+          <p:cNvPr id="5" name="テキスト ボックス 4"/>
+          <p:cNvSpPr txBox="1"/>
+          <p:nvPr/>
+        </p:nvSpPr>
+        <p:spPr>
+          <a:xfrm>
+            <a:off x="6379224" y="2148195"/>
+            <a:ext cx="1098641" cy="369332"/>
+          </a:xfrm>
+          <a:prstGeom prst="rect">
+            <a:avLst/>
+          </a:prstGeom>
+          <a:noFill/>
+        </p:spPr>
+        <p:txBody>
+          <a:bodyPr wrap="none" rtlCol="0">
+            <a:spAutoFit/>
+          </a:bodyPr>
+          <a:lstStyle/>
+          <a:p>
+            <a:r>
+              <a:rPr kumimoji="1" lang="ja-JP" altLang="en-US">
+                <a:solidFill>
+                  <a:srgbClr val="FF0000"/>
+                </a:solidFill>
+                <a:latin typeface="メイリオ"/>
+                <a:ea typeface="メイリオ"/>
+                <a:cs typeface="メイリオ"/>
+              </a:rPr>
+              <a:t>そのまま</a:t>
+            </a:r>
+            <a:endParaRPr kumimoji="1" lang="ja-JP" altLang="en-US">
+              <a:solidFill>
+                <a:srgbClr val="FF0000"/>
+              </a:solidFill>
+              <a:latin typeface="メイリオ"/>
+              <a:ea typeface="メイリオ"/>
+              <a:cs typeface="メイリオ"/>
+            </a:endParaRPr>
+          </a:p>
+        </p:txBody>
+      </p:sp>
+      <p:sp>
+        <p:nvSpPr>
+          <p:cNvPr id="6" name="テキスト ボックス 5"/>
+          <p:cNvSpPr txBox="1"/>
+          <p:nvPr/>
+        </p:nvSpPr>
+        <p:spPr>
+          <a:xfrm>
+            <a:off x="6379224" y="3502862"/>
+            <a:ext cx="1098641" cy="369332"/>
+          </a:xfrm>
+          <a:prstGeom prst="rect">
+            <a:avLst/>
+          </a:prstGeom>
+          <a:noFill/>
+        </p:spPr>
+        <p:txBody>
+          <a:bodyPr wrap="none" rtlCol="0">
+            <a:spAutoFit/>
+          </a:bodyPr>
+          <a:lstStyle/>
+          <a:p>
+            <a:r>
+              <a:rPr kumimoji="1" lang="ja-JP" altLang="en-US">
+                <a:solidFill>
+                  <a:srgbClr val="FF0000"/>
+                </a:solidFill>
+                <a:latin typeface="メイリオ"/>
+                <a:ea typeface="メイリオ"/>
+                <a:cs typeface="メイリオ"/>
+              </a:rPr>
+              <a:t>そのまま</a:t>
+            </a:r>
+            <a:endParaRPr kumimoji="1" lang="ja-JP" altLang="en-US">
+              <a:solidFill>
+                <a:srgbClr val="FF0000"/>
+              </a:solidFill>
+              <a:latin typeface="メイリオ"/>
+              <a:ea typeface="メイリオ"/>
+              <a:cs typeface="メイリオ"/>
+            </a:endParaRPr>
+          </a:p>
+        </p:txBody>
+      </p:sp>
+      <p:sp>
+        <p:nvSpPr>
+          <p:cNvPr id="7" name="テキスト ボックス 6"/>
+          <p:cNvSpPr txBox="1"/>
+          <p:nvPr/>
+        </p:nvSpPr>
+        <p:spPr>
+          <a:xfrm>
+            <a:off x="7898190" y="3687528"/>
+            <a:ext cx="1107996" cy="369332"/>
+          </a:xfrm>
+          <a:prstGeom prst="rect">
+            <a:avLst/>
+          </a:prstGeom>
+          <a:noFill/>
+        </p:spPr>
+        <p:txBody>
+          <a:bodyPr wrap="none" rtlCol="0">
+            <a:spAutoFit/>
+          </a:bodyPr>
+          <a:lstStyle/>
+          <a:p>
+            <a:r>
+              <a:rPr kumimoji="1" lang="ja-JP" altLang="en-US">
+                <a:solidFill>
+                  <a:srgbClr val="FF0000"/>
+                </a:solidFill>
+                <a:latin typeface="メイリオ"/>
+                <a:ea typeface="メイリオ"/>
+                <a:cs typeface="メイリオ"/>
+              </a:rPr>
+              <a:t>クリック</a:t>
+            </a:r>
+            <a:endParaRPr kumimoji="1" lang="ja-JP" altLang="en-US">
+              <a:solidFill>
+                <a:srgbClr val="FF0000"/>
+              </a:solidFill>
+              <a:latin typeface="メイリオ"/>
+              <a:ea typeface="メイリオ"/>
+              <a:cs typeface="メイリオ"/>
+            </a:endParaRPr>
+          </a:p>
+        </p:txBody>
+      </p:sp>
+      <p:sp>
+        <p:nvSpPr>
+          <p:cNvPr id="8" name="正方形/長方形 7"/>
+          <p:cNvSpPr/>
+          <p:nvPr/>
+        </p:nvSpPr>
+        <p:spPr>
+          <a:xfrm>
+            <a:off x="8382000" y="4148667"/>
+            <a:ext cx="762000" cy="450752"/>
+          </a:xfrm>
+          <a:prstGeom prst="rect">
+            <a:avLst/>
+          </a:prstGeom>
+          <a:noFill/>
+          <a:ln w="28575">
+            <a:solidFill>
+              <a:srgbClr val="FF0000"/>
+            </a:solidFill>
+          </a:ln>
+          <a:effectLst/>
+        </p:spPr>
+        <p:style>
+          <a:lnRef idx="1">
+            <a:schemeClr val="accent1"/>
+          </a:lnRef>
+          <a:fillRef idx="3">
+            <a:schemeClr val="accent1"/>
+          </a:fillRef>
+          <a:effectRef idx="2">
+            <a:schemeClr val="accent1"/>
+          </a:effectRef>
+          <a:fontRef idx="minor">
+            <a:schemeClr val="lt1"/>
+          </a:fontRef>
+        </p:style>
+        <p:txBody>
+          <a:bodyPr rtlCol="0" anchor="ctr"/>
+          <a:lstStyle/>
+          <a:p>
+            <a:pPr algn="ctr"/>
+            <a:endParaRPr kumimoji="1" lang="ja-JP" altLang="en-US"/>
+          </a:p>
+        </p:txBody>
+      </p:sp>
     </p:spTree>
     <p:extLst>
       <p:ext uri="{BB962C8B-B14F-4D97-AF65-F5344CB8AC3E}">
@@ -3520,7 +5319,7 @@
 </p:sld>
 </file>
 
-<file path=ppt/slides/slide13.xml><?xml version="1.0" encoding="utf-8"?>
+<file path=ppt/slides/slide18.xml><?xml version="1.0" encoding="utf-8"?>
 <p:sld xmlns:a="http://schemas.openxmlformats.org/drawingml/2006/main" xmlns:r="http://schemas.openxmlformats.org/officeDocument/2006/relationships" xmlns:p="http://schemas.openxmlformats.org/presentationml/2006/main">
   <p:cSld>
     <p:spTree>
@@ -3630,7 +5429,7 @@
 </p:sld>
 </file>
 
-<file path=ppt/slides/slide14.xml><?xml version="1.0" encoding="utf-8"?>
+<file path=ppt/slides/slide19.xml><?xml version="1.0" encoding="utf-8"?>
 <p:sld xmlns:a="http://schemas.openxmlformats.org/drawingml/2006/main" xmlns:r="http://schemas.openxmlformats.org/officeDocument/2006/relationships" xmlns:p="http://schemas.openxmlformats.org/presentationml/2006/main">
   <p:cSld>
     <p:spTree>
@@ -3647,9 +5446,36 @@
           <a:chExt cx="0" cy="0"/>
         </a:xfrm>
       </p:grpSpPr>
+      <p:sp>
+        <p:nvSpPr>
+          <p:cNvPr id="2" name="タイトル 1"/>
+          <p:cNvSpPr>
+            <a:spLocks noGrp="1"/>
+          </p:cNvSpPr>
+          <p:nvPr>
+            <p:ph type="title"/>
+          </p:nvPr>
+        </p:nvSpPr>
+        <p:spPr/>
+        <p:txBody>
+          <a:bodyPr/>
+          <a:lstStyle/>
+          <a:p>
+            <a:r>
+              <a:rPr kumimoji="1" lang="en-US" altLang="ja-JP"/>
+              <a:t>S3</a:t>
+            </a:r>
+            <a:r>
+              <a:rPr kumimoji="1" lang="ja-JP" altLang="en-US"/>
+              <a:t>にアップロード</a:t>
+            </a:r>
+            <a:endParaRPr kumimoji="1" lang="ja-JP" altLang="en-US"/>
+          </a:p>
+        </p:txBody>
+      </p:sp>
       <p:pic>
         <p:nvPicPr>
-          <p:cNvPr id="4" name="図 3" descr="スクリーンショット 2016-10-27 6.30.41.png"/>
+          <p:cNvPr id="4" name="図 3" descr="スクリーンショット 2016-10-27 17.28.16.png"/>
           <p:cNvPicPr>
             <a:picLocks noChangeAspect="1"/>
           </p:cNvPicPr>
@@ -3669,184 +5495,113 @@
         </p:blipFill>
         <p:spPr>
           <a:xfrm>
-            <a:off x="461441" y="0"/>
-            <a:ext cx="8221118" cy="5143500"/>
+            <a:off x="1276350" y="758367"/>
+            <a:ext cx="6591300" cy="3708400"/>
           </a:xfrm>
           <a:prstGeom prst="rect">
             <a:avLst/>
           </a:prstGeom>
         </p:spPr>
       </p:pic>
+      <p:sp>
+        <p:nvSpPr>
+          <p:cNvPr id="5" name="正方形/長方形 4"/>
+          <p:cNvSpPr/>
+          <p:nvPr/>
+        </p:nvSpPr>
+        <p:spPr>
+          <a:xfrm>
+            <a:off x="2140857" y="3471333"/>
+            <a:ext cx="2104572" cy="387048"/>
+          </a:xfrm>
+          <a:prstGeom prst="rect">
+            <a:avLst/>
+          </a:prstGeom>
+          <a:noFill/>
+          <a:ln w="28575">
+            <a:solidFill>
+              <a:srgbClr val="FF0000"/>
+            </a:solidFill>
+          </a:ln>
+          <a:effectLst/>
+        </p:spPr>
+        <p:style>
+          <a:lnRef idx="1">
+            <a:schemeClr val="accent1"/>
+          </a:lnRef>
+          <a:fillRef idx="3">
+            <a:schemeClr val="accent1"/>
+          </a:fillRef>
+          <a:effectRef idx="2">
+            <a:schemeClr val="accent1"/>
+          </a:effectRef>
+          <a:fontRef idx="minor">
+            <a:schemeClr val="lt1"/>
+          </a:fontRef>
+        </p:style>
+        <p:txBody>
+          <a:bodyPr rtlCol="0" anchor="ctr"/>
+          <a:lstStyle/>
+          <a:p>
+            <a:pPr algn="ctr"/>
+            <a:endParaRPr kumimoji="1" lang="ja-JP" altLang="en-US"/>
+          </a:p>
+        </p:txBody>
+      </p:sp>
+      <p:sp>
+        <p:nvSpPr>
+          <p:cNvPr id="6" name="テキスト ボックス 5"/>
+          <p:cNvSpPr txBox="1"/>
+          <p:nvPr/>
+        </p:nvSpPr>
+        <p:spPr>
+          <a:xfrm>
+            <a:off x="2140857" y="3967240"/>
+            <a:ext cx="4342191" cy="369332"/>
+          </a:xfrm>
+          <a:prstGeom prst="rect">
+            <a:avLst/>
+          </a:prstGeom>
+          <a:noFill/>
+        </p:spPr>
+        <p:txBody>
+          <a:bodyPr wrap="square" rtlCol="0">
+            <a:spAutoFit/>
+          </a:bodyPr>
+          <a:lstStyle/>
+          <a:p>
+            <a:r>
+              <a:rPr kumimoji="1" lang="ja-JP" altLang="en-US">
+                <a:solidFill>
+                  <a:srgbClr val="FF0000"/>
+                </a:solidFill>
+                <a:latin typeface="メイリオ"/>
+                <a:ea typeface="メイリオ"/>
+                <a:cs typeface="メイリオ"/>
+              </a:rPr>
+              <a:t>一意につけたバケット名をクリック</a:t>
+            </a:r>
+            <a:endParaRPr kumimoji="1" lang="ja-JP" altLang="en-US">
+              <a:solidFill>
+                <a:srgbClr val="FF0000"/>
+              </a:solidFill>
+              <a:latin typeface="メイリオ"/>
+              <a:ea typeface="メイリオ"/>
+              <a:cs typeface="メイリオ"/>
+            </a:endParaRPr>
+          </a:p>
+        </p:txBody>
+      </p:sp>
     </p:spTree>
     <p:extLst>
       <p:ext uri="{BB962C8B-B14F-4D97-AF65-F5344CB8AC3E}">
-        <p14:creationId xmlns:p14="http://schemas.microsoft.com/office/powerpoint/2010/main" val="226921951"/>
+        <p14:creationId xmlns:p14="http://schemas.microsoft.com/office/powerpoint/2010/main" val="618232646"/>
       </p:ext>
     </p:extLst>
   </p:cSld>
   <p:clrMapOvr>
     <a:masterClrMapping/>
   </p:clrMapOvr>
-  <p:timing>
-    <p:tnLst>
-      <p:par>
-        <p:cTn xmlns:p14="http://schemas.microsoft.com/office/powerpoint/2010/main" id="1" dur="indefinite" restart="never" nodeType="tmRoot"/>
-      </p:par>
-    </p:tnLst>
-  </p:timing>
-</p:sld>
-</file>
-
-<file path=ppt/slides/slide15.xml><?xml version="1.0" encoding="utf-8"?>
-<p:sld xmlns:a="http://schemas.openxmlformats.org/drawingml/2006/main" xmlns:r="http://schemas.openxmlformats.org/officeDocument/2006/relationships" xmlns:p="http://schemas.openxmlformats.org/presentationml/2006/main">
-  <p:cSld>
-    <p:spTree>
-      <p:nvGrpSpPr>
-        <p:cNvPr id="1" name=""/>
-        <p:cNvGrpSpPr/>
-        <p:nvPr/>
-      </p:nvGrpSpPr>
-      <p:grpSpPr>
-        <a:xfrm>
-          <a:off x="0" y="0"/>
-          <a:ext cx="0" cy="0"/>
-          <a:chOff x="0" y="0"/>
-          <a:chExt cx="0" cy="0"/>
-        </a:xfrm>
-      </p:grpSpPr>
-      <p:sp>
-        <p:nvSpPr>
-          <p:cNvPr id="2" name="タイトル 1"/>
-          <p:cNvSpPr>
-            <a:spLocks noGrp="1"/>
-          </p:cNvSpPr>
-          <p:nvPr>
-            <p:ph type="title"/>
-          </p:nvPr>
-        </p:nvSpPr>
-        <p:spPr/>
-        <p:txBody>
-          <a:bodyPr/>
-          <a:lstStyle/>
-          <a:p>
-            <a:r>
-              <a:rPr kumimoji="1" lang="en-US" altLang="ja-JP"/>
-              <a:t>CloudWatch</a:t>
-            </a:r>
-            <a:r>
-              <a:rPr kumimoji="1" lang="ja-JP" altLang="en-US"/>
-              <a:t>から確認する</a:t>
-            </a:r>
-          </a:p>
-        </p:txBody>
-      </p:sp>
-      <p:sp>
-        <p:nvSpPr>
-          <p:cNvPr id="3" name="コンテンツ プレースホルダー 2"/>
-          <p:cNvSpPr>
-            <a:spLocks noGrp="1"/>
-          </p:cNvSpPr>
-          <p:nvPr>
-            <p:ph idx="1"/>
-          </p:nvPr>
-        </p:nvSpPr>
-        <p:spPr/>
-        <p:txBody>
-          <a:bodyPr/>
-          <a:lstStyle/>
-          <a:p>
-            <a:r>
-              <a:rPr kumimoji="1" lang="en-US" altLang="ja-JP"/>
-              <a:t>lambda-s3-function</a:t>
-            </a:r>
-            <a:r>
-              <a:rPr kumimoji="1" lang="ja-JP" altLang="en-US"/>
-              <a:t>の</a:t>
-            </a:r>
-            <a:r>
-              <a:rPr kumimoji="1" lang="en-US" altLang="ja-JP"/>
-              <a:t>Monitoring</a:t>
-            </a:r>
-            <a:r>
-              <a:rPr kumimoji="1" lang="ja-JP" altLang="en-US"/>
-              <a:t>タブをクリック</a:t>
-            </a:r>
-            <a:endParaRPr kumimoji="1" lang="en-US" altLang="ja-JP"/>
-          </a:p>
-          <a:p>
-            <a:r>
-              <a:rPr kumimoji="1" lang="en-US" altLang="ja-JP"/>
-              <a:t>View logs in CloudWacth</a:t>
-            </a:r>
-            <a:r>
-              <a:rPr lang="ja-JP" altLang="en-US"/>
-              <a:t>をクリック</a:t>
-            </a:r>
-            <a:endParaRPr lang="en-US" altLang="ja-JP"/>
-          </a:p>
-          <a:p>
-            <a:r>
-              <a:rPr kumimoji="1" lang="en-US" altLang="ja-JP"/>
-              <a:t>2016/10/28</a:t>
-            </a:r>
-            <a:r>
-              <a:rPr kumimoji="1" lang="ja-JP" altLang="en-US"/>
-              <a:t>・・・をクリック</a:t>
-            </a:r>
-            <a:endParaRPr kumimoji="1" lang="en-US" altLang="ja-JP"/>
-          </a:p>
-          <a:p>
-            <a:endParaRPr kumimoji="1" lang="ja-JP" altLang="en-US"/>
-          </a:p>
-        </p:txBody>
-      </p:sp>
-      <p:pic>
-        <p:nvPicPr>
-          <p:cNvPr id="4" name="図 3" descr="スクリーンショット 2016-10-27 6.36.47.png"/>
-          <p:cNvPicPr>
-            <a:picLocks noChangeAspect="1"/>
-          </p:cNvPicPr>
-          <p:nvPr/>
-        </p:nvPicPr>
-        <p:blipFill>
-          <a:blip r:embed="rId2">
-            <a:extLst>
-              <a:ext uri="{28A0092B-C50C-407E-A947-70E740481C1C}">
-                <a14:useLocalDpi xmlns:a14="http://schemas.microsoft.com/office/drawing/2010/main" val="0"/>
-              </a:ext>
-            </a:extLst>
-          </a:blip>
-          <a:stretch>
-            <a:fillRect/>
-          </a:stretch>
-        </p:blipFill>
-        <p:spPr>
-          <a:xfrm>
-            <a:off x="24190" y="3085255"/>
-            <a:ext cx="9144000" cy="651205"/>
-          </a:xfrm>
-          <a:prstGeom prst="rect">
-            <a:avLst/>
-          </a:prstGeom>
-        </p:spPr>
-      </p:pic>
-    </p:spTree>
-    <p:extLst>
-      <p:ext uri="{BB962C8B-B14F-4D97-AF65-F5344CB8AC3E}">
-        <p14:creationId xmlns:p14="http://schemas.microsoft.com/office/powerpoint/2010/main" val="99969357"/>
-      </p:ext>
-    </p:extLst>
-  </p:cSld>
-  <p:clrMapOvr>
-    <a:masterClrMapping/>
-  </p:clrMapOvr>
-  <p:timing>
-    <p:tnLst>
-      <p:par>
-        <p:cTn xmlns:p14="http://schemas.microsoft.com/office/powerpoint/2010/main" id="1" dur="indefinite" restart="never" nodeType="tmRoot"/>
-      </p:par>
-    </p:tnLst>
-  </p:timing>
 </p:sld>
 </file>
 
@@ -3886,7 +5641,6 @@
               <a:rPr kumimoji="1" lang="ja-JP" altLang="en-US"/>
               <a:t>自己紹介</a:t>
             </a:r>
-            <a:endParaRPr kumimoji="1" lang="ja-JP" altLang="en-US"/>
           </a:p>
         </p:txBody>
       </p:sp>
@@ -4349,6 +6103,602 @@
 </p:sld>
 </file>
 
+<file path=ppt/slides/slide20.xml><?xml version="1.0" encoding="utf-8"?>
+<p:sld xmlns:a="http://schemas.openxmlformats.org/drawingml/2006/main" xmlns:r="http://schemas.openxmlformats.org/officeDocument/2006/relationships" xmlns:p="http://schemas.openxmlformats.org/presentationml/2006/main">
+  <p:cSld>
+    <p:spTree>
+      <p:nvGrpSpPr>
+        <p:cNvPr id="1" name=""/>
+        <p:cNvGrpSpPr/>
+        <p:nvPr/>
+      </p:nvGrpSpPr>
+      <p:grpSpPr>
+        <a:xfrm>
+          <a:off x="0" y="0"/>
+          <a:ext cx="0" cy="0"/>
+          <a:chOff x="0" y="0"/>
+          <a:chExt cx="0" cy="0"/>
+        </a:xfrm>
+      </p:grpSpPr>
+      <p:sp>
+        <p:nvSpPr>
+          <p:cNvPr id="2" name="タイトル 1"/>
+          <p:cNvSpPr>
+            <a:spLocks noGrp="1"/>
+          </p:cNvSpPr>
+          <p:nvPr>
+            <p:ph type="title"/>
+          </p:nvPr>
+        </p:nvSpPr>
+        <p:spPr/>
+        <p:txBody>
+          <a:bodyPr/>
+          <a:lstStyle/>
+          <a:p>
+            <a:r>
+              <a:rPr kumimoji="1" lang="en-US" altLang="ja-JP"/>
+              <a:t>S3</a:t>
+            </a:r>
+            <a:r>
+              <a:rPr kumimoji="1" lang="ja-JP" altLang="en-US"/>
+              <a:t>にアップロード</a:t>
+            </a:r>
+            <a:endParaRPr kumimoji="1" lang="ja-JP" altLang="en-US"/>
+          </a:p>
+        </p:txBody>
+      </p:sp>
+      <p:pic>
+        <p:nvPicPr>
+          <p:cNvPr id="3" name="図 2" descr="スクリーンショット 2016-10-27 17.30.06.png"/>
+          <p:cNvPicPr>
+            <a:picLocks noChangeAspect="1"/>
+          </p:cNvPicPr>
+          <p:nvPr/>
+        </p:nvPicPr>
+        <p:blipFill>
+          <a:blip r:embed="rId2">
+            <a:extLst>
+              <a:ext uri="{28A0092B-C50C-407E-A947-70E740481C1C}">
+                <a14:useLocalDpi xmlns:a14="http://schemas.microsoft.com/office/drawing/2010/main" val="0"/>
+              </a:ext>
+            </a:extLst>
+          </a:blip>
+          <a:stretch>
+            <a:fillRect/>
+          </a:stretch>
+        </p:blipFill>
+        <p:spPr>
+          <a:xfrm>
+            <a:off x="996950" y="836688"/>
+            <a:ext cx="7150100" cy="3213100"/>
+          </a:xfrm>
+          <a:prstGeom prst="rect">
+            <a:avLst/>
+          </a:prstGeom>
+        </p:spPr>
+      </p:pic>
+      <p:sp>
+        <p:nvSpPr>
+          <p:cNvPr id="5" name="正方形/長方形 4"/>
+          <p:cNvSpPr/>
+          <p:nvPr/>
+        </p:nvSpPr>
+        <p:spPr>
+          <a:xfrm>
+            <a:off x="1088570" y="1826380"/>
+            <a:ext cx="2189239" cy="677333"/>
+          </a:xfrm>
+          <a:prstGeom prst="rect">
+            <a:avLst/>
+          </a:prstGeom>
+          <a:noFill/>
+          <a:ln w="28575">
+            <a:solidFill>
+              <a:srgbClr val="FF0000"/>
+            </a:solidFill>
+          </a:ln>
+          <a:effectLst/>
+        </p:spPr>
+        <p:style>
+          <a:lnRef idx="1">
+            <a:schemeClr val="accent1"/>
+          </a:lnRef>
+          <a:fillRef idx="3">
+            <a:schemeClr val="accent1"/>
+          </a:fillRef>
+          <a:effectRef idx="2">
+            <a:schemeClr val="accent1"/>
+          </a:effectRef>
+          <a:fontRef idx="minor">
+            <a:schemeClr val="lt1"/>
+          </a:fontRef>
+        </p:style>
+        <p:txBody>
+          <a:bodyPr rtlCol="0" anchor="ctr"/>
+          <a:lstStyle/>
+          <a:p>
+            <a:pPr algn="ctr"/>
+            <a:endParaRPr kumimoji="1" lang="ja-JP" altLang="en-US"/>
+          </a:p>
+        </p:txBody>
+      </p:sp>
+      <p:sp>
+        <p:nvSpPr>
+          <p:cNvPr id="6" name="テキスト ボックス 5"/>
+          <p:cNvSpPr txBox="1"/>
+          <p:nvPr/>
+        </p:nvSpPr>
+        <p:spPr>
+          <a:xfrm>
+            <a:off x="2140857" y="3967240"/>
+            <a:ext cx="4342191" cy="369332"/>
+          </a:xfrm>
+          <a:prstGeom prst="rect">
+            <a:avLst/>
+          </a:prstGeom>
+          <a:noFill/>
+        </p:spPr>
+        <p:txBody>
+          <a:bodyPr wrap="square" rtlCol="0">
+            <a:spAutoFit/>
+          </a:bodyPr>
+          <a:lstStyle/>
+          <a:p>
+            <a:r>
+              <a:rPr kumimoji="1" lang="ja-JP" altLang="en-US">
+                <a:solidFill>
+                  <a:srgbClr val="FF0000"/>
+                </a:solidFill>
+                <a:latin typeface="メイリオ"/>
+                <a:ea typeface="メイリオ"/>
+                <a:cs typeface="メイリオ"/>
+              </a:rPr>
+              <a:t>アップロードをクリック</a:t>
+            </a:r>
+            <a:endParaRPr kumimoji="1" lang="ja-JP" altLang="en-US">
+              <a:solidFill>
+                <a:srgbClr val="FF0000"/>
+              </a:solidFill>
+              <a:latin typeface="メイリオ"/>
+              <a:ea typeface="メイリオ"/>
+              <a:cs typeface="メイリオ"/>
+            </a:endParaRPr>
+          </a:p>
+        </p:txBody>
+      </p:sp>
+    </p:spTree>
+    <p:extLst>
+      <p:ext uri="{BB962C8B-B14F-4D97-AF65-F5344CB8AC3E}">
+        <p14:creationId xmlns:p14="http://schemas.microsoft.com/office/powerpoint/2010/main" val="3698042502"/>
+      </p:ext>
+    </p:extLst>
+  </p:cSld>
+  <p:clrMapOvr>
+    <a:masterClrMapping/>
+  </p:clrMapOvr>
+  <p:timing>
+    <p:tnLst>
+      <p:par>
+        <p:cTn xmlns:p14="http://schemas.microsoft.com/office/powerpoint/2010/main" id="1" dur="indefinite" restart="never" nodeType="tmRoot"/>
+      </p:par>
+    </p:tnLst>
+  </p:timing>
+</p:sld>
+</file>
+
+<file path=ppt/slides/slide21.xml><?xml version="1.0" encoding="utf-8"?>
+<p:sld xmlns:a="http://schemas.openxmlformats.org/drawingml/2006/main" xmlns:r="http://schemas.openxmlformats.org/officeDocument/2006/relationships" xmlns:p="http://schemas.openxmlformats.org/presentationml/2006/main">
+  <p:cSld>
+    <p:spTree>
+      <p:nvGrpSpPr>
+        <p:cNvPr id="1" name=""/>
+        <p:cNvGrpSpPr/>
+        <p:nvPr/>
+      </p:nvGrpSpPr>
+      <p:grpSpPr>
+        <a:xfrm>
+          <a:off x="0" y="0"/>
+          <a:ext cx="0" cy="0"/>
+          <a:chOff x="0" y="0"/>
+          <a:chExt cx="0" cy="0"/>
+        </a:xfrm>
+      </p:grpSpPr>
+      <p:pic>
+        <p:nvPicPr>
+          <p:cNvPr id="4" name="図 3" descr="スクリーンショット 2016-10-27 6.30.41.png"/>
+          <p:cNvPicPr>
+            <a:picLocks noChangeAspect="1"/>
+          </p:cNvPicPr>
+          <p:nvPr/>
+        </p:nvPicPr>
+        <p:blipFill>
+          <a:blip r:embed="rId2">
+            <a:extLst>
+              <a:ext uri="{28A0092B-C50C-407E-A947-70E740481C1C}">
+                <a14:useLocalDpi xmlns:a14="http://schemas.microsoft.com/office/drawing/2010/main" val="0"/>
+              </a:ext>
+            </a:extLst>
+          </a:blip>
+          <a:stretch>
+            <a:fillRect/>
+          </a:stretch>
+        </p:blipFill>
+        <p:spPr>
+          <a:xfrm>
+            <a:off x="461441" y="0"/>
+            <a:ext cx="8221118" cy="5143500"/>
+          </a:xfrm>
+          <a:prstGeom prst="rect">
+            <a:avLst/>
+          </a:prstGeom>
+        </p:spPr>
+      </p:pic>
+      <p:sp>
+        <p:nvSpPr>
+          <p:cNvPr id="3" name="テキスト ボックス 2"/>
+          <p:cNvSpPr txBox="1"/>
+          <p:nvPr/>
+        </p:nvSpPr>
+        <p:spPr>
+          <a:xfrm>
+            <a:off x="4172857" y="2128764"/>
+            <a:ext cx="4342191" cy="369332"/>
+          </a:xfrm>
+          <a:prstGeom prst="rect">
+            <a:avLst/>
+          </a:prstGeom>
+          <a:noFill/>
+        </p:spPr>
+        <p:txBody>
+          <a:bodyPr wrap="square" rtlCol="0">
+            <a:spAutoFit/>
+          </a:bodyPr>
+          <a:lstStyle/>
+          <a:p>
+            <a:r>
+              <a:rPr kumimoji="1" lang="en-US" altLang="ja-JP">
+                <a:solidFill>
+                  <a:srgbClr val="FF0000"/>
+                </a:solidFill>
+                <a:latin typeface="メイリオ"/>
+                <a:ea typeface="メイリオ"/>
+                <a:cs typeface="メイリオ"/>
+              </a:rPr>
+              <a:t>demo.txt</a:t>
+            </a:r>
+            <a:r>
+              <a:rPr kumimoji="1" lang="ja-JP" altLang="en-US">
+                <a:solidFill>
+                  <a:srgbClr val="FF0000"/>
+                </a:solidFill>
+                <a:latin typeface="メイリオ"/>
+                <a:ea typeface="メイリオ"/>
+                <a:cs typeface="メイリオ"/>
+              </a:rPr>
+              <a:t>をドラッグ＆ドロップ</a:t>
+            </a:r>
+            <a:endParaRPr kumimoji="1" lang="ja-JP" altLang="en-US">
+              <a:solidFill>
+                <a:srgbClr val="FF0000"/>
+              </a:solidFill>
+              <a:latin typeface="メイリオ"/>
+              <a:ea typeface="メイリオ"/>
+              <a:cs typeface="メイリオ"/>
+            </a:endParaRPr>
+          </a:p>
+        </p:txBody>
+      </p:sp>
+      <p:sp>
+        <p:nvSpPr>
+          <p:cNvPr id="5" name="正方形/長方形 4"/>
+          <p:cNvSpPr/>
+          <p:nvPr/>
+        </p:nvSpPr>
+        <p:spPr>
+          <a:xfrm>
+            <a:off x="580570" y="1245809"/>
+            <a:ext cx="7934478" cy="882955"/>
+          </a:xfrm>
+          <a:prstGeom prst="rect">
+            <a:avLst/>
+          </a:prstGeom>
+          <a:noFill/>
+          <a:ln w="28575">
+            <a:solidFill>
+              <a:srgbClr val="FF0000"/>
+            </a:solidFill>
+          </a:ln>
+          <a:effectLst/>
+        </p:spPr>
+        <p:style>
+          <a:lnRef idx="1">
+            <a:schemeClr val="accent1"/>
+          </a:lnRef>
+          <a:fillRef idx="3">
+            <a:schemeClr val="accent1"/>
+          </a:fillRef>
+          <a:effectRef idx="2">
+            <a:schemeClr val="accent1"/>
+          </a:effectRef>
+          <a:fontRef idx="minor">
+            <a:schemeClr val="lt1"/>
+          </a:fontRef>
+        </p:style>
+        <p:txBody>
+          <a:bodyPr rtlCol="0" anchor="ctr"/>
+          <a:lstStyle/>
+          <a:p>
+            <a:pPr algn="ctr"/>
+            <a:endParaRPr kumimoji="1" lang="ja-JP" altLang="en-US"/>
+          </a:p>
+        </p:txBody>
+      </p:sp>
+      <p:sp>
+        <p:nvSpPr>
+          <p:cNvPr id="6" name="正方形/長方形 5"/>
+          <p:cNvSpPr/>
+          <p:nvPr/>
+        </p:nvSpPr>
+        <p:spPr>
+          <a:xfrm>
+            <a:off x="6652381" y="4632475"/>
+            <a:ext cx="1197430" cy="387049"/>
+          </a:xfrm>
+          <a:prstGeom prst="rect">
+            <a:avLst/>
+          </a:prstGeom>
+          <a:noFill/>
+          <a:ln w="28575">
+            <a:solidFill>
+              <a:srgbClr val="FF0000"/>
+            </a:solidFill>
+          </a:ln>
+          <a:effectLst/>
+        </p:spPr>
+        <p:style>
+          <a:lnRef idx="1">
+            <a:schemeClr val="accent1"/>
+          </a:lnRef>
+          <a:fillRef idx="3">
+            <a:schemeClr val="accent1"/>
+          </a:fillRef>
+          <a:effectRef idx="2">
+            <a:schemeClr val="accent1"/>
+          </a:effectRef>
+          <a:fontRef idx="minor">
+            <a:schemeClr val="lt1"/>
+          </a:fontRef>
+        </p:style>
+        <p:txBody>
+          <a:bodyPr rtlCol="0" anchor="ctr"/>
+          <a:lstStyle/>
+          <a:p>
+            <a:pPr algn="ctr"/>
+            <a:endParaRPr kumimoji="1" lang="ja-JP" altLang="en-US"/>
+          </a:p>
+        </p:txBody>
+      </p:sp>
+      <p:sp>
+        <p:nvSpPr>
+          <p:cNvPr id="7" name="テキスト ボックス 6"/>
+          <p:cNvSpPr txBox="1"/>
+          <p:nvPr/>
+        </p:nvSpPr>
+        <p:spPr>
+          <a:xfrm>
+            <a:off x="6652382" y="4234117"/>
+            <a:ext cx="1197429" cy="369332"/>
+          </a:xfrm>
+          <a:prstGeom prst="rect">
+            <a:avLst/>
+          </a:prstGeom>
+          <a:noFill/>
+        </p:spPr>
+        <p:txBody>
+          <a:bodyPr wrap="square" rtlCol="0">
+            <a:spAutoFit/>
+          </a:bodyPr>
+          <a:lstStyle/>
+          <a:p>
+            <a:r>
+              <a:rPr kumimoji="1" lang="ja-JP" altLang="en-US">
+                <a:solidFill>
+                  <a:srgbClr val="FF0000"/>
+                </a:solidFill>
+                <a:latin typeface="メイリオ"/>
+                <a:ea typeface="メイリオ"/>
+                <a:cs typeface="メイリオ"/>
+              </a:rPr>
+              <a:t>クリック</a:t>
+            </a:r>
+            <a:endParaRPr kumimoji="1" lang="ja-JP" altLang="en-US">
+              <a:solidFill>
+                <a:srgbClr val="FF0000"/>
+              </a:solidFill>
+              <a:latin typeface="メイリオ"/>
+              <a:ea typeface="メイリオ"/>
+              <a:cs typeface="メイリオ"/>
+            </a:endParaRPr>
+          </a:p>
+        </p:txBody>
+      </p:sp>
+    </p:spTree>
+    <p:extLst>
+      <p:ext uri="{BB962C8B-B14F-4D97-AF65-F5344CB8AC3E}">
+        <p14:creationId xmlns:p14="http://schemas.microsoft.com/office/powerpoint/2010/main" val="226921951"/>
+      </p:ext>
+    </p:extLst>
+  </p:cSld>
+  <p:clrMapOvr>
+    <a:masterClrMapping/>
+  </p:clrMapOvr>
+  <p:timing>
+    <p:tnLst>
+      <p:par>
+        <p:cTn xmlns:p14="http://schemas.microsoft.com/office/powerpoint/2010/main" id="1" dur="indefinite" restart="never" nodeType="tmRoot"/>
+      </p:par>
+    </p:tnLst>
+  </p:timing>
+</p:sld>
+</file>
+
+<file path=ppt/slides/slide22.xml><?xml version="1.0" encoding="utf-8"?>
+<p:sld xmlns:a="http://schemas.openxmlformats.org/drawingml/2006/main" xmlns:r="http://schemas.openxmlformats.org/officeDocument/2006/relationships" xmlns:p="http://schemas.openxmlformats.org/presentationml/2006/main">
+  <p:cSld>
+    <p:spTree>
+      <p:nvGrpSpPr>
+        <p:cNvPr id="1" name=""/>
+        <p:cNvGrpSpPr/>
+        <p:nvPr/>
+      </p:nvGrpSpPr>
+      <p:grpSpPr>
+        <a:xfrm>
+          <a:off x="0" y="0"/>
+          <a:ext cx="0" cy="0"/>
+          <a:chOff x="0" y="0"/>
+          <a:chExt cx="0" cy="0"/>
+        </a:xfrm>
+      </p:grpSpPr>
+      <p:sp>
+        <p:nvSpPr>
+          <p:cNvPr id="2" name="タイトル 1"/>
+          <p:cNvSpPr>
+            <a:spLocks noGrp="1"/>
+          </p:cNvSpPr>
+          <p:nvPr>
+            <p:ph type="title"/>
+          </p:nvPr>
+        </p:nvSpPr>
+        <p:spPr/>
+        <p:txBody>
+          <a:bodyPr/>
+          <a:lstStyle/>
+          <a:p>
+            <a:r>
+              <a:rPr kumimoji="1" lang="en-US" altLang="ja-JP"/>
+              <a:t>CloudWatch</a:t>
+            </a:r>
+            <a:r>
+              <a:rPr kumimoji="1" lang="en-US" altLang="ja-JP"/>
+              <a:t>Logs</a:t>
+            </a:r>
+            <a:r>
+              <a:rPr kumimoji="1" lang="ja-JP" altLang="en-US"/>
+              <a:t>から確認する</a:t>
+            </a:r>
+          </a:p>
+        </p:txBody>
+      </p:sp>
+      <p:sp>
+        <p:nvSpPr>
+          <p:cNvPr id="3" name="コンテンツ プレースホルダー 2"/>
+          <p:cNvSpPr>
+            <a:spLocks noGrp="1"/>
+          </p:cNvSpPr>
+          <p:nvPr>
+            <p:ph idx="1"/>
+          </p:nvPr>
+        </p:nvSpPr>
+        <p:spPr/>
+        <p:txBody>
+          <a:bodyPr/>
+          <a:lstStyle/>
+          <a:p>
+            <a:r>
+              <a:rPr kumimoji="1" lang="en-US" altLang="ja-JP"/>
+              <a:t>lambda-s3-function</a:t>
+            </a:r>
+            <a:r>
+              <a:rPr kumimoji="1" lang="ja-JP" altLang="en-US"/>
+              <a:t>の</a:t>
+            </a:r>
+            <a:r>
+              <a:rPr kumimoji="1" lang="en-US" altLang="ja-JP"/>
+              <a:t>Monitoring</a:t>
+            </a:r>
+            <a:r>
+              <a:rPr kumimoji="1" lang="ja-JP" altLang="en-US"/>
+              <a:t>タブをクリック</a:t>
+            </a:r>
+            <a:endParaRPr kumimoji="1" lang="en-US" altLang="ja-JP"/>
+          </a:p>
+          <a:p>
+            <a:r>
+              <a:rPr kumimoji="1" lang="en-US" altLang="ja-JP"/>
+              <a:t>View logs in CloudWacth</a:t>
+            </a:r>
+            <a:r>
+              <a:rPr lang="ja-JP" altLang="en-US"/>
+              <a:t>をクリック</a:t>
+            </a:r>
+            <a:endParaRPr lang="en-US" altLang="ja-JP"/>
+          </a:p>
+          <a:p>
+            <a:r>
+              <a:rPr kumimoji="1" lang="en-US" altLang="ja-JP"/>
+              <a:t>2016/10/28</a:t>
+            </a:r>
+            <a:r>
+              <a:rPr kumimoji="1" lang="ja-JP" altLang="en-US"/>
+              <a:t>・・・をクリック</a:t>
+            </a:r>
+            <a:endParaRPr kumimoji="1" lang="en-US" altLang="ja-JP"/>
+          </a:p>
+          <a:p>
+            <a:endParaRPr kumimoji="1" lang="ja-JP" altLang="en-US"/>
+          </a:p>
+        </p:txBody>
+      </p:sp>
+      <p:pic>
+        <p:nvPicPr>
+          <p:cNvPr id="4" name="図 3" descr="スクリーンショット 2016-10-27 6.36.47.png"/>
+          <p:cNvPicPr>
+            <a:picLocks noChangeAspect="1"/>
+          </p:cNvPicPr>
+          <p:nvPr/>
+        </p:nvPicPr>
+        <p:blipFill>
+          <a:blip r:embed="rId2">
+            <a:extLst>
+              <a:ext uri="{28A0092B-C50C-407E-A947-70E740481C1C}">
+                <a14:useLocalDpi xmlns:a14="http://schemas.microsoft.com/office/drawing/2010/main" val="0"/>
+              </a:ext>
+            </a:extLst>
+          </a:blip>
+          <a:stretch>
+            <a:fillRect/>
+          </a:stretch>
+        </p:blipFill>
+        <p:spPr>
+          <a:xfrm>
+            <a:off x="24190" y="3085255"/>
+            <a:ext cx="9144000" cy="651205"/>
+          </a:xfrm>
+          <a:prstGeom prst="rect">
+            <a:avLst/>
+          </a:prstGeom>
+        </p:spPr>
+      </p:pic>
+    </p:spTree>
+    <p:extLst>
+      <p:ext uri="{BB962C8B-B14F-4D97-AF65-F5344CB8AC3E}">
+        <p14:creationId xmlns:p14="http://schemas.microsoft.com/office/powerpoint/2010/main" val="99969357"/>
+      </p:ext>
+    </p:extLst>
+  </p:cSld>
+  <p:clrMapOvr>
+    <a:masterClrMapping/>
+  </p:clrMapOvr>
+  <p:timing>
+    <p:tnLst>
+      <p:par>
+        <p:cTn xmlns:p14="http://schemas.microsoft.com/office/powerpoint/2010/main" id="1" dur="indefinite" restart="never" nodeType="tmRoot"/>
+      </p:par>
+    </p:tnLst>
+  </p:timing>
+</p:sld>
+</file>
+
 <file path=ppt/slides/slide3.xml><?xml version="1.0" encoding="utf-8"?>
 <p:sld xmlns:a="http://schemas.openxmlformats.org/drawingml/2006/main" xmlns:r="http://schemas.openxmlformats.org/officeDocument/2006/relationships" xmlns:p="http://schemas.openxmlformats.org/presentationml/2006/main">
   <p:cSld>
@@ -4389,7 +6739,6 @@
               <a:rPr kumimoji="1" lang="ja-JP" altLang="en-US"/>
               <a:t>の説明</a:t>
             </a:r>
-            <a:endParaRPr kumimoji="1" lang="ja-JP" altLang="en-US"/>
           </a:p>
         </p:txBody>
       </p:sp>
@@ -4668,57 +7017,12 @@
           <a:lstStyle/>
           <a:p>
             <a:r>
-              <a:rPr kumimoji="1" lang="en-US" altLang="ja-JP"/>
-              <a:t>S3</a:t>
-            </a:r>
-            <a:r>
-              <a:rPr kumimoji="1" lang="ja-JP" altLang="en-US"/>
-              <a:t>の作成</a:t>
-            </a:r>
-          </a:p>
-        </p:txBody>
-      </p:sp>
-      <p:sp>
-        <p:nvSpPr>
-          <p:cNvPr id="3" name="コンテンツ プレースホルダー 2"/>
-          <p:cNvSpPr>
-            <a:spLocks noGrp="1"/>
-          </p:cNvSpPr>
-          <p:nvPr>
-            <p:ph idx="1"/>
-          </p:nvPr>
-        </p:nvSpPr>
-        <p:spPr/>
-        <p:txBody>
-          <a:bodyPr/>
-          <a:lstStyle/>
-          <a:p>
-            <a:r>
-              <a:rPr kumimoji="1" lang="ja-JP" altLang="en-US"/>
-              <a:t>バケットの作成</a:t>
-            </a:r>
-            <a:endParaRPr kumimoji="1" lang="en-US" altLang="ja-JP"/>
-          </a:p>
-          <a:p>
-            <a:pPr lvl="1"/>
-            <a:r>
-              <a:rPr kumimoji="1" lang="ja-JP" altLang="en-US"/>
-              <a:t>バケット名：</a:t>
-            </a:r>
-            <a:r>
-              <a:rPr kumimoji="1" lang="en-US" altLang="ja-JP"/>
-              <a:t>lambda-s3-bucket</a:t>
-            </a:r>
-          </a:p>
-          <a:p>
-            <a:pPr lvl="1"/>
+              <a:rPr lang="en-US" altLang="ja-JP"/>
+              <a:t>AWS</a:t>
+            </a:r>
             <a:r>
               <a:rPr lang="ja-JP" altLang="en-US"/>
-              <a:t>リージョン：</a:t>
-            </a:r>
-            <a:r>
-              <a:rPr lang="en-US" altLang="ja-JP"/>
-              <a:t>Tokyo</a:t>
+              <a:t>マネージメントコンソールへのログイン</a:t>
             </a:r>
             <a:endParaRPr kumimoji="1" lang="ja-JP" altLang="en-US"/>
           </a:p>
@@ -4726,7 +7030,7 @@
       </p:sp>
       <p:pic>
         <p:nvPicPr>
-          <p:cNvPr id="4" name="図 3" descr="スクリーンショット 2016-10-27 5.56.13.png"/>
+          <p:cNvPr id="8" name="図 7" descr="スクリーンショット 2016-10-27 16.51.30.png"/>
           <p:cNvPicPr>
             <a:picLocks noChangeAspect="1"/>
           </p:cNvPicPr>
@@ -4746,31 +7050,206 @@
         </p:blipFill>
         <p:spPr>
           <a:xfrm>
-            <a:off x="1021777" y="1963312"/>
-            <a:ext cx="7190128" cy="5143500"/>
+            <a:off x="0" y="958812"/>
+            <a:ext cx="9144000" cy="3984817"/>
           </a:xfrm>
           <a:prstGeom prst="rect">
             <a:avLst/>
           </a:prstGeom>
         </p:spPr>
       </p:pic>
+      <p:sp>
+        <p:nvSpPr>
+          <p:cNvPr id="9" name="正方形/長方形 8"/>
+          <p:cNvSpPr/>
+          <p:nvPr/>
+        </p:nvSpPr>
+        <p:spPr>
+          <a:xfrm>
+            <a:off x="1874782" y="2358571"/>
+            <a:ext cx="3750847" cy="338667"/>
+          </a:xfrm>
+          <a:prstGeom prst="rect">
+            <a:avLst/>
+          </a:prstGeom>
+          <a:noFill/>
+          <a:ln w="28575">
+            <a:solidFill>
+              <a:srgbClr val="FF0000"/>
+            </a:solidFill>
+          </a:ln>
+          <a:effectLst/>
+        </p:spPr>
+        <p:style>
+          <a:lnRef idx="1">
+            <a:schemeClr val="accent1"/>
+          </a:lnRef>
+          <a:fillRef idx="3">
+            <a:schemeClr val="accent1"/>
+          </a:fillRef>
+          <a:effectRef idx="2">
+            <a:schemeClr val="accent1"/>
+          </a:effectRef>
+          <a:fontRef idx="minor">
+            <a:schemeClr val="lt1"/>
+          </a:fontRef>
+        </p:style>
+        <p:txBody>
+          <a:bodyPr rtlCol="0" anchor="ctr"/>
+          <a:lstStyle/>
+          <a:p>
+            <a:pPr algn="ctr"/>
+            <a:endParaRPr kumimoji="1" lang="ja-JP" altLang="en-US"/>
+          </a:p>
+        </p:txBody>
+      </p:sp>
+      <p:sp>
+        <p:nvSpPr>
+          <p:cNvPr id="10" name="テキスト ボックス 9"/>
+          <p:cNvSpPr txBox="1"/>
+          <p:nvPr/>
+        </p:nvSpPr>
+        <p:spPr>
+          <a:xfrm>
+            <a:off x="1874783" y="2334381"/>
+            <a:ext cx="3750847" cy="369332"/>
+          </a:xfrm>
+          <a:prstGeom prst="rect">
+            <a:avLst/>
+          </a:prstGeom>
+          <a:noFill/>
+        </p:spPr>
+        <p:txBody>
+          <a:bodyPr wrap="none" rtlCol="0">
+            <a:spAutoFit/>
+          </a:bodyPr>
+          <a:lstStyle/>
+          <a:p>
+            <a:r>
+              <a:rPr lang="ja-JP" altLang="en-US">
+                <a:latin typeface="メイリオ"/>
+                <a:ea typeface="メイリオ"/>
+                <a:cs typeface="メイリオ"/>
+              </a:rPr>
+              <a:t>登録したメールアドレス</a:t>
+            </a:r>
+            <a:r>
+              <a:rPr lang="en-US" altLang="ja-JP">
+                <a:latin typeface="メイリオ"/>
+                <a:ea typeface="メイリオ"/>
+                <a:cs typeface="メイリオ"/>
+              </a:rPr>
+              <a:t>/</a:t>
+            </a:r>
+            <a:r>
+              <a:rPr lang="ja-JP" altLang="en-US">
+                <a:latin typeface="メイリオ"/>
+                <a:ea typeface="メイリオ"/>
+                <a:cs typeface="メイリオ"/>
+              </a:rPr>
+              <a:t>電話番号</a:t>
+            </a:r>
+            <a:endParaRPr kumimoji="1" lang="ja-JP" altLang="en-US">
+              <a:latin typeface="メイリオ"/>
+              <a:ea typeface="メイリオ"/>
+              <a:cs typeface="メイリオ"/>
+            </a:endParaRPr>
+          </a:p>
+        </p:txBody>
+      </p:sp>
+      <p:sp>
+        <p:nvSpPr>
+          <p:cNvPr id="11" name="テキスト ボックス 10"/>
+          <p:cNvSpPr txBox="1"/>
+          <p:nvPr/>
+        </p:nvSpPr>
+        <p:spPr>
+          <a:xfrm>
+            <a:off x="1874782" y="3732590"/>
+            <a:ext cx="1338828" cy="369332"/>
+          </a:xfrm>
+          <a:prstGeom prst="rect">
+            <a:avLst/>
+          </a:prstGeom>
+          <a:noFill/>
+        </p:spPr>
+        <p:txBody>
+          <a:bodyPr wrap="none" rtlCol="0">
+            <a:spAutoFit/>
+          </a:bodyPr>
+          <a:lstStyle/>
+          <a:p>
+            <a:r>
+              <a:rPr kumimoji="1" lang="ja-JP" altLang="en-US">
+                <a:latin typeface="メイリオ"/>
+                <a:ea typeface="メイリオ"/>
+                <a:cs typeface="メイリオ"/>
+              </a:rPr>
+              <a:t>パスワード</a:t>
+            </a:r>
+            <a:endParaRPr kumimoji="1" lang="ja-JP" altLang="en-US">
+              <a:latin typeface="メイリオ"/>
+              <a:ea typeface="メイリオ"/>
+              <a:cs typeface="メイリオ"/>
+            </a:endParaRPr>
+          </a:p>
+        </p:txBody>
+      </p:sp>
+      <p:sp>
+        <p:nvSpPr>
+          <p:cNvPr id="12" name="正方形/長方形 11"/>
+          <p:cNvSpPr/>
+          <p:nvPr/>
+        </p:nvSpPr>
+        <p:spPr>
+          <a:xfrm>
+            <a:off x="1874783" y="3732590"/>
+            <a:ext cx="1338828" cy="338667"/>
+          </a:xfrm>
+          <a:prstGeom prst="rect">
+            <a:avLst/>
+          </a:prstGeom>
+          <a:noFill/>
+          <a:ln w="28575">
+            <a:solidFill>
+              <a:srgbClr val="FF0000"/>
+            </a:solidFill>
+          </a:ln>
+          <a:effectLst/>
+        </p:spPr>
+        <p:style>
+          <a:lnRef idx="1">
+            <a:schemeClr val="accent1"/>
+          </a:lnRef>
+          <a:fillRef idx="3">
+            <a:schemeClr val="accent1"/>
+          </a:fillRef>
+          <a:effectRef idx="2">
+            <a:schemeClr val="accent1"/>
+          </a:effectRef>
+          <a:fontRef idx="minor">
+            <a:schemeClr val="lt1"/>
+          </a:fontRef>
+        </p:style>
+        <p:txBody>
+          <a:bodyPr rtlCol="0" anchor="ctr"/>
+          <a:lstStyle/>
+          <a:p>
+            <a:pPr algn="ctr"/>
+            <a:endParaRPr kumimoji="1" lang="ja-JP" altLang="en-US"/>
+          </a:p>
+        </p:txBody>
+      </p:sp>
     </p:spTree>
     <p:extLst>
       <p:ext uri="{BB962C8B-B14F-4D97-AF65-F5344CB8AC3E}">
-        <p14:creationId xmlns:p14="http://schemas.microsoft.com/office/powerpoint/2010/main" val="2858805800"/>
+        <p14:creationId xmlns:p14="http://schemas.microsoft.com/office/powerpoint/2010/main" val="3301525703"/>
       </p:ext>
     </p:extLst>
   </p:cSld>
   <p:clrMapOvr>
     <a:masterClrMapping/>
   </p:clrMapOvr>
-  <p:timing>
-    <p:tnLst>
-      <p:par>
-        <p:cTn xmlns:p14="http://schemas.microsoft.com/office/powerpoint/2010/main" id="1" dur="indefinite" restart="never" nodeType="tmRoot"/>
-      </p:par>
-    </p:tnLst>
-  </p:timing>
 </p:sld>
 </file>
 
@@ -4807,138 +7286,140 @@
           <a:lstStyle/>
           <a:p>
             <a:r>
-              <a:rPr lang="en-US" altLang="ja-JP"/>
-              <a:t>Lambda</a:t>
-            </a:r>
-            <a:r>
-              <a:rPr lang="ja-JP" altLang="en-US"/>
-              <a:t>の作成</a:t>
+              <a:rPr kumimoji="1" lang="en-US" altLang="ja-JP"/>
+              <a:t>S3</a:t>
+            </a:r>
+            <a:r>
+              <a:rPr kumimoji="1" lang="ja-JP" altLang="en-US"/>
+              <a:t>へのアクセス</a:t>
             </a:r>
             <a:endParaRPr kumimoji="1" lang="ja-JP" altLang="en-US"/>
           </a:p>
         </p:txBody>
       </p:sp>
-      <p:sp>
-        <p:nvSpPr>
-          <p:cNvPr id="3" name="コンテンツ プレースホルダー 2"/>
-          <p:cNvSpPr>
-            <a:spLocks noGrp="1"/>
-          </p:cNvSpPr>
-          <p:nvPr>
-            <p:ph idx="1"/>
-          </p:nvPr>
-        </p:nvSpPr>
-        <p:spPr/>
-        <p:txBody>
-          <a:bodyPr/>
-          <a:lstStyle/>
-          <a:p>
-            <a:r>
-              <a:rPr lang="en-US" altLang="ja-JP"/>
-              <a:t>Blank Function</a:t>
-            </a:r>
-            <a:r>
-              <a:rPr lang="ja-JP" altLang="en-US"/>
-              <a:t>を選択</a:t>
-            </a:r>
-            <a:endParaRPr lang="en-US" altLang="ja-JP"/>
-          </a:p>
-          <a:p>
-            <a:r>
-              <a:rPr lang="en-US" altLang="ja-JP"/>
-              <a:t>Configure triggers</a:t>
-            </a:r>
-            <a:r>
-              <a:rPr lang="ja-JP" altLang="en-US"/>
-              <a:t>：</a:t>
-            </a:r>
-            <a:r>
-              <a:rPr lang="en-US" altLang="ja-JP"/>
-              <a:t>S3</a:t>
-            </a:r>
-            <a:r>
-              <a:rPr lang="ja-JP" altLang="en-US"/>
-              <a:t>を選択</a:t>
-            </a:r>
-            <a:endParaRPr lang="en-US" altLang="ja-JP"/>
-          </a:p>
-          <a:p>
-            <a:pPr lvl="1"/>
-            <a:r>
-              <a:rPr lang="en-US" altLang="ja-JP"/>
-              <a:t>Bucket</a:t>
-            </a:r>
-            <a:r>
-              <a:rPr lang="ja-JP" altLang="en-US"/>
-              <a:t>：</a:t>
-            </a:r>
-            <a:r>
-              <a:rPr lang="en-US" altLang="ja-JP"/>
-              <a:t>lambda-s3-bucket</a:t>
-            </a:r>
-          </a:p>
-          <a:p>
-            <a:pPr lvl="1"/>
-            <a:r>
-              <a:rPr lang="en-US" altLang="ja-JP"/>
-              <a:t>Event Type</a:t>
-            </a:r>
-            <a:r>
-              <a:rPr lang="ja-JP" altLang="en-US"/>
-              <a:t>：</a:t>
-            </a:r>
-            <a:r>
-              <a:rPr lang="en-US" altLang="ja-JP"/>
-              <a:t>Object Created(All)</a:t>
-            </a:r>
-          </a:p>
-          <a:p>
-            <a:pPr lvl="1"/>
-            <a:r>
-              <a:rPr lang="en-US" altLang="ja-JP"/>
-              <a:t>Prefix , Suffix</a:t>
-            </a:r>
-            <a:r>
-              <a:rPr lang="ja-JP" altLang="en-US"/>
-              <a:t>は空のまま</a:t>
-            </a:r>
-            <a:endParaRPr lang="en-US" altLang="ja-JP"/>
-          </a:p>
-          <a:p>
-            <a:pPr lvl="1"/>
-            <a:r>
-              <a:rPr lang="en-US" altLang="ja-JP"/>
-              <a:t>Enable Trigger</a:t>
-            </a:r>
-            <a:r>
-              <a:rPr lang="ja-JP" altLang="en-US"/>
-              <a:t>にチェックを入れる</a:t>
-            </a:r>
-            <a:endParaRPr lang="en-US" altLang="ja-JP"/>
-          </a:p>
-          <a:p>
-            <a:r>
-              <a:rPr lang="en-US" altLang="ja-JP"/>
-              <a:t>Next</a:t>
-            </a:r>
-            <a:r>
-              <a:rPr lang="ja-JP" altLang="en-US"/>
-              <a:t>をクリック</a:t>
-            </a:r>
-            <a:endParaRPr lang="en-US" altLang="ja-JP"/>
-          </a:p>
-          <a:p>
-            <a:pPr marL="0" indent="0">
-              <a:buNone/>
-            </a:pPr>
-            <a:endParaRPr lang="ja-JP" altLang="en-US"/>
+      <p:pic>
+        <p:nvPicPr>
+          <p:cNvPr id="4" name="図 3" descr="スクリーンショット 2016-10-27 16.57.15.png"/>
+          <p:cNvPicPr>
+            <a:picLocks noChangeAspect="1"/>
+          </p:cNvPicPr>
+          <p:nvPr/>
+        </p:nvPicPr>
+        <p:blipFill>
+          <a:blip r:embed="rId2">
+            <a:extLst>
+              <a:ext uri="{28A0092B-C50C-407E-A947-70E740481C1C}">
+                <a14:useLocalDpi xmlns:a14="http://schemas.microsoft.com/office/drawing/2010/main" val="0"/>
+              </a:ext>
+            </a:extLst>
+          </a:blip>
+          <a:stretch>
+            <a:fillRect/>
+          </a:stretch>
+        </p:blipFill>
+        <p:spPr>
+          <a:xfrm>
+            <a:off x="425450" y="749891"/>
+            <a:ext cx="8293100" cy="4572000"/>
+          </a:xfrm>
+          <a:prstGeom prst="rect">
+            <a:avLst/>
+          </a:prstGeom>
+        </p:spPr>
+      </p:pic>
+      <p:sp>
+        <p:nvSpPr>
+          <p:cNvPr id="5" name="正方形/長方形 4"/>
+          <p:cNvSpPr/>
+          <p:nvPr/>
+        </p:nvSpPr>
+        <p:spPr>
+          <a:xfrm>
+            <a:off x="641069" y="3108476"/>
+            <a:ext cx="435408" cy="338667"/>
+          </a:xfrm>
+          <a:prstGeom prst="rect">
+            <a:avLst/>
+          </a:prstGeom>
+          <a:noFill/>
+          <a:ln w="28575">
+            <a:solidFill>
+              <a:srgbClr val="FF0000"/>
+            </a:solidFill>
+          </a:ln>
+          <a:effectLst/>
+        </p:spPr>
+        <p:style>
+          <a:lnRef idx="1">
+            <a:schemeClr val="accent1"/>
+          </a:lnRef>
+          <a:fillRef idx="3">
+            <a:schemeClr val="accent1"/>
+          </a:fillRef>
+          <a:effectRef idx="2">
+            <a:schemeClr val="accent1"/>
+          </a:effectRef>
+          <a:fontRef idx="minor">
+            <a:schemeClr val="lt1"/>
+          </a:fontRef>
+        </p:style>
+        <p:txBody>
+          <a:bodyPr rtlCol="0" anchor="ctr"/>
+          <a:lstStyle/>
+          <a:p>
+            <a:pPr algn="ctr"/>
+            <a:endParaRPr kumimoji="1" lang="ja-JP" altLang="en-US"/>
+          </a:p>
+        </p:txBody>
+      </p:sp>
+      <p:sp>
+        <p:nvSpPr>
+          <p:cNvPr id="6" name="テキスト ボックス 5"/>
+          <p:cNvSpPr txBox="1"/>
+          <p:nvPr/>
+        </p:nvSpPr>
+        <p:spPr>
+          <a:xfrm>
+            <a:off x="1197430" y="3084286"/>
+            <a:ext cx="1107996" cy="369332"/>
+          </a:xfrm>
+          <a:prstGeom prst="rect">
+            <a:avLst/>
+          </a:prstGeom>
+          <a:noFill/>
+        </p:spPr>
+        <p:txBody>
+          <a:bodyPr wrap="none" rtlCol="0">
+            <a:spAutoFit/>
+          </a:bodyPr>
+          <a:lstStyle/>
+          <a:p>
+            <a:r>
+              <a:rPr kumimoji="1" lang="ja-JP" altLang="en-US">
+                <a:solidFill>
+                  <a:srgbClr val="FF0000"/>
+                </a:solidFill>
+                <a:latin typeface="メイリオ"/>
+                <a:ea typeface="メイリオ"/>
+                <a:cs typeface="メイリオ"/>
+              </a:rPr>
+              <a:t>クリック</a:t>
+            </a:r>
+            <a:endParaRPr kumimoji="1" lang="ja-JP" altLang="en-US">
+              <a:solidFill>
+                <a:srgbClr val="FF0000"/>
+              </a:solidFill>
+              <a:latin typeface="メイリオ"/>
+              <a:ea typeface="メイリオ"/>
+              <a:cs typeface="メイリオ"/>
+            </a:endParaRPr>
           </a:p>
         </p:txBody>
       </p:sp>
     </p:spTree>
     <p:extLst>
       <p:ext uri="{BB962C8B-B14F-4D97-AF65-F5344CB8AC3E}">
-        <p14:creationId xmlns:p14="http://schemas.microsoft.com/office/powerpoint/2010/main" val="705573762"/>
+        <p14:creationId xmlns:p14="http://schemas.microsoft.com/office/powerpoint/2010/main" val="2300046280"/>
       </p:ext>
     </p:extLst>
   </p:cSld>
@@ -4972,9 +7453,116 @@
           <a:chExt cx="0" cy="0"/>
         </a:xfrm>
       </p:grpSpPr>
+      <p:sp>
+        <p:nvSpPr>
+          <p:cNvPr id="2" name="タイトル 1"/>
+          <p:cNvSpPr>
+            <a:spLocks noGrp="1"/>
+          </p:cNvSpPr>
+          <p:nvPr>
+            <p:ph type="title"/>
+          </p:nvPr>
+        </p:nvSpPr>
+        <p:spPr/>
+        <p:txBody>
+          <a:bodyPr/>
+          <a:lstStyle/>
+          <a:p>
+            <a:r>
+              <a:rPr kumimoji="1" lang="en-US" altLang="ja-JP"/>
+              <a:t>S3</a:t>
+            </a:r>
+            <a:r>
+              <a:rPr kumimoji="1" lang="ja-JP" altLang="en-US"/>
+              <a:t>の作成</a:t>
+            </a:r>
+          </a:p>
+        </p:txBody>
+      </p:sp>
+      <p:sp>
+        <p:nvSpPr>
+          <p:cNvPr id="3" name="コンテンツ プレースホルダー 2"/>
+          <p:cNvSpPr>
+            <a:spLocks noGrp="1"/>
+          </p:cNvSpPr>
+          <p:nvPr>
+            <p:ph idx="1"/>
+          </p:nvPr>
+        </p:nvSpPr>
+        <p:spPr/>
+        <p:txBody>
+          <a:bodyPr/>
+          <a:lstStyle/>
+          <a:p>
+            <a:r>
+              <a:rPr kumimoji="1" lang="ja-JP" altLang="en-US"/>
+              <a:t>バケットの作成</a:t>
+            </a:r>
+            <a:endParaRPr kumimoji="1" lang="en-US" altLang="ja-JP"/>
+          </a:p>
+          <a:p>
+            <a:pPr lvl="1"/>
+            <a:r>
+              <a:rPr kumimoji="1" lang="ja-JP" altLang="en-US"/>
+              <a:t>バケット名：</a:t>
+            </a:r>
+            <a:r>
+              <a:rPr lang="ja-JP" altLang="en-US">
+                <a:solidFill>
+                  <a:srgbClr val="FF0000"/>
+                </a:solidFill>
+              </a:rPr>
+              <a:t>一意である名前をつける必要がある！</a:t>
+            </a:r>
+            <a:endParaRPr lang="en-US" altLang="ja-JP">
+              <a:solidFill>
+                <a:srgbClr val="FF0000"/>
+              </a:solidFill>
+            </a:endParaRPr>
+          </a:p>
+          <a:p>
+            <a:pPr marL="2286000" lvl="5" indent="0">
+              <a:buNone/>
+            </a:pPr>
+            <a:r>
+              <a:rPr lang="en-US" altLang="ja-JP"/>
+              <a:t>(</a:t>
+            </a:r>
+            <a:r>
+              <a:rPr lang="ja-JP" altLang="en-US"/>
+              <a:t>例：</a:t>
+            </a:r>
+            <a:r>
+              <a:rPr lang="en-US" altLang="ja-JP"/>
+              <a:t> lambda-s3-sawada-bucket </a:t>
+            </a:r>
+            <a:r>
+              <a:rPr lang="ja-JP" altLang="en-US"/>
+              <a:t>など</a:t>
+            </a:r>
+            <a:r>
+              <a:rPr lang="en-US" altLang="ja-JP"/>
+              <a:t>..)</a:t>
+            </a:r>
+            <a:endParaRPr kumimoji="1" lang="en-US" altLang="ja-JP"/>
+          </a:p>
+          <a:p>
+            <a:pPr lvl="1"/>
+            <a:r>
+              <a:rPr lang="ja-JP" altLang="en-US"/>
+              <a:t>リージョン：</a:t>
+            </a:r>
+            <a:r>
+              <a:rPr lang="en-US" altLang="ja-JP"/>
+              <a:t>Tokyo</a:t>
+            </a:r>
+            <a:endParaRPr kumimoji="1" lang="ja-JP" altLang="en-US"/>
+          </a:p>
+        </p:txBody>
+      </p:sp>
       <p:pic>
         <p:nvPicPr>
-          <p:cNvPr id="5" name="図 4" descr="スクリーンショット 2016-10-27 6.08.47.png"/>
+          <p:cNvPr id="4" name="図 3" descr="スクリーンショット 2016-10-27 5.56.13.png"/>
           <p:cNvPicPr>
             <a:picLocks noChangeAspect="1"/>
           </p:cNvPicPr>
@@ -4994,18 +7582,84 @@
         </p:blipFill>
         <p:spPr>
           <a:xfrm>
-            <a:off x="792856" y="0"/>
-            <a:ext cx="7558289" cy="5143500"/>
+            <a:off x="1021777" y="2398740"/>
+            <a:ext cx="7190128" cy="5143500"/>
           </a:xfrm>
           <a:prstGeom prst="rect">
             <a:avLst/>
           </a:prstGeom>
         </p:spPr>
       </p:pic>
+      <p:sp>
+        <p:nvSpPr>
+          <p:cNvPr id="5" name="テキスト ボックス 4"/>
+          <p:cNvSpPr txBox="1"/>
+          <p:nvPr/>
+        </p:nvSpPr>
+        <p:spPr>
+          <a:xfrm>
+            <a:off x="3870476" y="3991429"/>
+            <a:ext cx="5683166" cy="369332"/>
+          </a:xfrm>
+          <a:prstGeom prst="rect">
+            <a:avLst/>
+          </a:prstGeom>
+          <a:noFill/>
+        </p:spPr>
+        <p:txBody>
+          <a:bodyPr wrap="none" rtlCol="0">
+            <a:spAutoFit/>
+          </a:bodyPr>
+          <a:lstStyle/>
+          <a:p>
+            <a:r>
+              <a:rPr kumimoji="1" lang="ja-JP" altLang="en-US">
+                <a:solidFill>
+                  <a:srgbClr val="FF0000"/>
+                </a:solidFill>
+                <a:latin typeface="メイリオ"/>
+                <a:ea typeface="メイリオ"/>
+                <a:cs typeface="メイリオ"/>
+              </a:rPr>
+              <a:t>このサンプルでは</a:t>
+            </a:r>
+            <a:r>
+              <a:rPr kumimoji="1" lang="en-US" altLang="ja-JP">
+                <a:solidFill>
+                  <a:srgbClr val="FF0000"/>
+                </a:solidFill>
+                <a:latin typeface="メイリオ"/>
+                <a:ea typeface="メイリオ"/>
+                <a:cs typeface="メイリオ"/>
+              </a:rPr>
+              <a:t>lambda-s3-bucket</a:t>
+            </a:r>
+            <a:r>
+              <a:rPr kumimoji="1" lang="ja-JP" altLang="en-US">
+                <a:solidFill>
+                  <a:srgbClr val="FF0000"/>
+                </a:solidFill>
+                <a:latin typeface="メイリオ"/>
+                <a:ea typeface="メイリオ"/>
+                <a:cs typeface="メイリオ"/>
+              </a:rPr>
+              <a:t>としています！</a:t>
+            </a:r>
+            <a:endParaRPr kumimoji="1" lang="ja-JP" altLang="en-US">
+              <a:solidFill>
+                <a:srgbClr val="FF0000"/>
+              </a:solidFill>
+              <a:latin typeface="メイリオ"/>
+              <a:ea typeface="メイリオ"/>
+              <a:cs typeface="メイリオ"/>
+            </a:endParaRPr>
+          </a:p>
+        </p:txBody>
+      </p:sp>
     </p:spTree>
     <p:extLst>
       <p:ext uri="{BB962C8B-B14F-4D97-AF65-F5344CB8AC3E}">
-        <p14:creationId xmlns:p14="http://schemas.microsoft.com/office/powerpoint/2010/main" val="3004932981"/>
+        <p14:creationId xmlns:p14="http://schemas.microsoft.com/office/powerpoint/2010/main" val="2858805800"/>
       </p:ext>
     </p:extLst>
   </p:cSld>
@@ -5055,141 +7709,140 @@
           <a:lstStyle/>
           <a:p>
             <a:r>
-              <a:rPr kumimoji="1" lang="en-US" altLang="ja-JP"/>
+              <a:rPr lang="en-US" altLang="ja-JP"/>
               <a:t>Lambda</a:t>
             </a:r>
             <a:r>
               <a:rPr kumimoji="1" lang="ja-JP" altLang="en-US"/>
-              <a:t>の作成</a:t>
-            </a:r>
-          </a:p>
-        </p:txBody>
-      </p:sp>
-      <p:sp>
-        <p:nvSpPr>
-          <p:cNvPr id="3" name="コンテンツ プレースホルダー 2"/>
-          <p:cNvSpPr>
-            <a:spLocks noGrp="1"/>
-          </p:cNvSpPr>
-          <p:nvPr>
-            <p:ph idx="1"/>
-          </p:nvPr>
-        </p:nvSpPr>
-        <p:spPr/>
-        <p:txBody>
-          <a:bodyPr>
-            <a:normAutofit/>
+              <a:t>へのアクセス</a:t>
+            </a:r>
+            <a:endParaRPr kumimoji="1" lang="ja-JP" altLang="en-US"/>
+          </a:p>
+        </p:txBody>
+      </p:sp>
+      <p:pic>
+        <p:nvPicPr>
+          <p:cNvPr id="4" name="図 3" descr="スクリーンショット 2016-10-27 16.57.15.png"/>
+          <p:cNvPicPr>
+            <a:picLocks noChangeAspect="1"/>
+          </p:cNvPicPr>
+          <p:nvPr/>
+        </p:nvPicPr>
+        <p:blipFill>
+          <a:blip r:embed="rId2">
+            <a:extLst>
+              <a:ext uri="{28A0092B-C50C-407E-A947-70E740481C1C}">
+                <a14:useLocalDpi xmlns:a14="http://schemas.microsoft.com/office/drawing/2010/main" val="0"/>
+              </a:ext>
+            </a:extLst>
+          </a:blip>
+          <a:stretch>
+            <a:fillRect/>
+          </a:stretch>
+        </p:blipFill>
+        <p:spPr>
+          <a:xfrm>
+            <a:off x="425450" y="749891"/>
+            <a:ext cx="8293100" cy="4572000"/>
+          </a:xfrm>
+          <a:prstGeom prst="rect">
+            <a:avLst/>
+          </a:prstGeom>
+        </p:spPr>
+      </p:pic>
+      <p:sp>
+        <p:nvSpPr>
+          <p:cNvPr id="5" name="正方形/長方形 4"/>
+          <p:cNvSpPr/>
+          <p:nvPr/>
+        </p:nvSpPr>
+        <p:spPr>
+          <a:xfrm>
+            <a:off x="641069" y="1898976"/>
+            <a:ext cx="774074" cy="338667"/>
+          </a:xfrm>
+          <a:prstGeom prst="rect">
+            <a:avLst/>
+          </a:prstGeom>
+          <a:noFill/>
+          <a:ln w="28575">
+            <a:solidFill>
+              <a:srgbClr val="FF0000"/>
+            </a:solidFill>
+          </a:ln>
+          <a:effectLst/>
+        </p:spPr>
+        <p:style>
+          <a:lnRef idx="1">
+            <a:schemeClr val="accent1"/>
+          </a:lnRef>
+          <a:fillRef idx="3">
+            <a:schemeClr val="accent1"/>
+          </a:fillRef>
+          <a:effectRef idx="2">
+            <a:schemeClr val="accent1"/>
+          </a:effectRef>
+          <a:fontRef idx="minor">
+            <a:schemeClr val="lt1"/>
+          </a:fontRef>
+        </p:style>
+        <p:txBody>
+          <a:bodyPr rtlCol="0" anchor="ctr"/>
+          <a:lstStyle/>
+          <a:p>
+            <a:pPr algn="ctr"/>
+            <a:endParaRPr kumimoji="1" lang="ja-JP" altLang="en-US"/>
+          </a:p>
+        </p:txBody>
+      </p:sp>
+      <p:sp>
+        <p:nvSpPr>
+          <p:cNvPr id="3" name="テキスト ボックス 2"/>
+          <p:cNvSpPr txBox="1"/>
+          <p:nvPr/>
+        </p:nvSpPr>
+        <p:spPr>
+          <a:xfrm>
+            <a:off x="1572381" y="1868311"/>
+            <a:ext cx="1107996" cy="369332"/>
+          </a:xfrm>
+          <a:prstGeom prst="rect">
+            <a:avLst/>
+          </a:prstGeom>
+          <a:noFill/>
+        </p:spPr>
+        <p:txBody>
+          <a:bodyPr wrap="none" rtlCol="0">
+            <a:spAutoFit/>
           </a:bodyPr>
           <a:lstStyle/>
           <a:p>
             <a:r>
-              <a:rPr kumimoji="1" lang="en-US" altLang="ja-JP"/>
-              <a:t>Configure function</a:t>
-            </a:r>
-          </a:p>
-          <a:p>
-            <a:pPr lvl="1"/>
-            <a:r>
-              <a:rPr lang="en-US" altLang="ja-JP"/>
-              <a:t>Name : lambda-s3-function</a:t>
-            </a:r>
-          </a:p>
-          <a:p>
-            <a:pPr lvl="1"/>
-            <a:r>
-              <a:rPr kumimoji="1" lang="en-US" altLang="ja-JP"/>
-              <a:t>Description</a:t>
-            </a:r>
-            <a:r>
-              <a:rPr lang="en-US" altLang="ja-JP"/>
-              <a:t> , Runtime </a:t>
-            </a:r>
-            <a:r>
-              <a:rPr lang="ja-JP" altLang="en-US"/>
-              <a:t>はそのまま</a:t>
-            </a:r>
-            <a:endParaRPr lang="en-US" altLang="ja-JP"/>
-          </a:p>
-          <a:p>
-            <a:r>
-              <a:rPr lang="en-US" altLang="ja-JP"/>
-              <a:t>Code entry type</a:t>
-            </a:r>
-          </a:p>
-          <a:p>
-            <a:pPr lvl="1"/>
-            <a:r>
-              <a:rPr lang="ja-JP" altLang="en-US"/>
-              <a:t>コードをコピー＆ペースト</a:t>
-            </a:r>
-            <a:endParaRPr lang="en-US" altLang="ja-JP"/>
-          </a:p>
-          <a:p>
-            <a:r>
-              <a:rPr lang="en-US" altLang="ja-JP"/>
-              <a:t>Lambda function handler and role</a:t>
-            </a:r>
-          </a:p>
-          <a:p>
-            <a:pPr lvl="1"/>
-            <a:r>
-              <a:rPr lang="en-US" altLang="ja-JP"/>
-              <a:t>Handler </a:t>
-            </a:r>
-            <a:r>
-              <a:rPr lang="ja-JP" altLang="en-US"/>
-              <a:t>はそのまま</a:t>
-            </a:r>
-            <a:endParaRPr lang="en-US" altLang="ja-JP"/>
-          </a:p>
-          <a:p>
-            <a:pPr lvl="1"/>
-            <a:r>
-              <a:rPr lang="en-US" altLang="ja-JP"/>
-              <a:t>Role : Create new role from template(s) </a:t>
-            </a:r>
-            <a:r>
-              <a:rPr lang="ja-JP" altLang="en-US"/>
-              <a:t>を選択</a:t>
-            </a:r>
-            <a:endParaRPr lang="en-US" altLang="ja-JP"/>
-          </a:p>
-          <a:p>
-            <a:pPr lvl="1"/>
-            <a:r>
-              <a:rPr lang="en-US" altLang="ja-JP"/>
-              <a:t>Role name</a:t>
-            </a:r>
-            <a:r>
-              <a:rPr lang="ja-JP" altLang="en-US"/>
-              <a:t>：</a:t>
-            </a:r>
-            <a:r>
-              <a:rPr lang="en-US" altLang="ja-JP"/>
-              <a:t>lambda-s3-role</a:t>
-            </a:r>
-          </a:p>
-          <a:p>
-            <a:pPr lvl="1"/>
-            <a:r>
-              <a:rPr lang="en-US" altLang="ja-JP"/>
-              <a:t>Pollecy templates S3 object read-only permissions </a:t>
-            </a:r>
-            <a:r>
-              <a:rPr lang="ja-JP" altLang="en-US"/>
-              <a:t>を選択</a:t>
-            </a:r>
-            <a:endParaRPr lang="en-US" altLang="ja-JP"/>
-          </a:p>
-          <a:p>
-            <a:endParaRPr lang="en-US" altLang="ja-JP"/>
+              <a:rPr kumimoji="1" lang="ja-JP" altLang="en-US">
+                <a:solidFill>
+                  <a:srgbClr val="FF0000"/>
+                </a:solidFill>
+                <a:latin typeface="メイリオ"/>
+                <a:ea typeface="メイリオ"/>
+                <a:cs typeface="メイリオ"/>
+              </a:rPr>
+              <a:t>クリック</a:t>
+            </a:r>
+            <a:endParaRPr kumimoji="1" lang="ja-JP" altLang="en-US">
+              <a:solidFill>
+                <a:srgbClr val="FF0000"/>
+              </a:solidFill>
+              <a:latin typeface="メイリオ"/>
+              <a:ea typeface="メイリオ"/>
+              <a:cs typeface="メイリオ"/>
+            </a:endParaRPr>
           </a:p>
         </p:txBody>
       </p:sp>
     </p:spTree>
     <p:extLst>
       <p:ext uri="{BB962C8B-B14F-4D97-AF65-F5344CB8AC3E}">
-        <p14:creationId xmlns:p14="http://schemas.microsoft.com/office/powerpoint/2010/main" val="1945987719"/>
+        <p14:creationId xmlns:p14="http://schemas.microsoft.com/office/powerpoint/2010/main" val="3596868341"/>
       </p:ext>
     </p:extLst>
   </p:cSld>
@@ -5223,40 +7876,154 @@
           <a:chExt cx="0" cy="0"/>
         </a:xfrm>
       </p:grpSpPr>
-      <p:pic>
-        <p:nvPicPr>
-          <p:cNvPr id="4" name="図 3" descr="スクリーンショット 2016-10-27 6.22.21.png"/>
-          <p:cNvPicPr>
-            <a:picLocks noChangeAspect="1"/>
-          </p:cNvPicPr>
-          <p:nvPr/>
-        </p:nvPicPr>
-        <p:blipFill>
-          <a:blip r:embed="rId2">
-            <a:extLst>
-              <a:ext uri="{28A0092B-C50C-407E-A947-70E740481C1C}">
-                <a14:useLocalDpi xmlns:a14="http://schemas.microsoft.com/office/drawing/2010/main" val="0"/>
-              </a:ext>
-            </a:extLst>
-          </a:blip>
-          <a:stretch>
-            <a:fillRect/>
-          </a:stretch>
-        </p:blipFill>
-        <p:spPr>
-          <a:xfrm>
-            <a:off x="806958" y="0"/>
-            <a:ext cx="7530084" cy="5143500"/>
-          </a:xfrm>
-          <a:prstGeom prst="rect">
-            <a:avLst/>
-          </a:prstGeom>
-        </p:spPr>
-      </p:pic>
+      <p:sp>
+        <p:nvSpPr>
+          <p:cNvPr id="2" name="タイトル 1"/>
+          <p:cNvSpPr>
+            <a:spLocks noGrp="1"/>
+          </p:cNvSpPr>
+          <p:nvPr>
+            <p:ph type="title"/>
+          </p:nvPr>
+        </p:nvSpPr>
+        <p:spPr/>
+        <p:txBody>
+          <a:bodyPr/>
+          <a:lstStyle/>
+          <a:p>
+            <a:r>
+              <a:rPr lang="en-US" altLang="ja-JP"/>
+              <a:t>Lambda</a:t>
+            </a:r>
+            <a:r>
+              <a:rPr lang="ja-JP" altLang="en-US"/>
+              <a:t>の作成</a:t>
+            </a:r>
+            <a:endParaRPr kumimoji="1" lang="ja-JP" altLang="en-US"/>
+          </a:p>
+        </p:txBody>
+      </p:sp>
+      <p:sp>
+        <p:nvSpPr>
+          <p:cNvPr id="3" name="コンテンツ プレースホルダー 2"/>
+          <p:cNvSpPr>
+            <a:spLocks noGrp="1"/>
+          </p:cNvSpPr>
+          <p:nvPr>
+            <p:ph idx="1"/>
+          </p:nvPr>
+        </p:nvSpPr>
+        <p:spPr/>
+        <p:txBody>
+          <a:bodyPr/>
+          <a:lstStyle/>
+          <a:p>
+            <a:r>
+              <a:rPr lang="en-US" altLang="ja-JP"/>
+              <a:t>Blank Function</a:t>
+            </a:r>
+            <a:r>
+              <a:rPr lang="ja-JP" altLang="en-US"/>
+              <a:t>を選択</a:t>
+            </a:r>
+            <a:endParaRPr lang="en-US" altLang="ja-JP"/>
+          </a:p>
+          <a:p>
+            <a:r>
+              <a:rPr lang="en-US" altLang="ja-JP"/>
+              <a:t>Configure triggers</a:t>
+            </a:r>
+            <a:r>
+              <a:rPr lang="ja-JP" altLang="en-US"/>
+              <a:t>：</a:t>
+            </a:r>
+            <a:r>
+              <a:rPr lang="en-US" altLang="ja-JP"/>
+              <a:t>S3</a:t>
+            </a:r>
+            <a:r>
+              <a:rPr lang="ja-JP" altLang="en-US"/>
+              <a:t>を選択</a:t>
+            </a:r>
+            <a:endParaRPr lang="en-US" altLang="ja-JP"/>
+          </a:p>
+          <a:p>
+            <a:pPr lvl="1"/>
+            <a:r>
+              <a:rPr lang="en-US" altLang="ja-JP"/>
+              <a:t>Bucket</a:t>
+            </a:r>
+            <a:r>
+              <a:rPr lang="ja-JP" altLang="en-US"/>
+              <a:t>：</a:t>
+            </a:r>
+            <a:r>
+              <a:rPr lang="en-US" altLang="ja-JP"/>
+              <a:t>lambda-s3-bucket</a:t>
+            </a:r>
+          </a:p>
+          <a:p>
+            <a:pPr lvl="1"/>
+            <a:r>
+              <a:rPr lang="en-US" altLang="ja-JP"/>
+              <a:t>Event Type</a:t>
+            </a:r>
+            <a:r>
+              <a:rPr lang="ja-JP" altLang="en-US"/>
+              <a:t>：</a:t>
+            </a:r>
+            <a:r>
+              <a:rPr lang="en-US" altLang="ja-JP"/>
+              <a:t>Object Created(All)</a:t>
+            </a:r>
+          </a:p>
+          <a:p>
+            <a:pPr lvl="1"/>
+            <a:r>
+              <a:rPr lang="en-US" altLang="ja-JP"/>
+              <a:t>Prefix , Suffix</a:t>
+            </a:r>
+            <a:r>
+              <a:rPr lang="ja-JP" altLang="en-US"/>
+              <a:t>は空のまま</a:t>
+            </a:r>
+            <a:endParaRPr lang="en-US" altLang="ja-JP"/>
+          </a:p>
+          <a:p>
+            <a:pPr lvl="1"/>
+            <a:r>
+              <a:rPr lang="en-US" altLang="ja-JP"/>
+              <a:t>Enable Trigger</a:t>
+            </a:r>
+            <a:r>
+              <a:rPr lang="ja-JP" altLang="en-US"/>
+              <a:t>にチェックを入れる</a:t>
+            </a:r>
+            <a:endParaRPr lang="en-US" altLang="ja-JP"/>
+          </a:p>
+          <a:p>
+            <a:r>
+              <a:rPr lang="en-US" altLang="ja-JP"/>
+              <a:t>Next</a:t>
+            </a:r>
+            <a:r>
+              <a:rPr lang="ja-JP" altLang="en-US"/>
+              <a:t>をクリック</a:t>
+            </a:r>
+            <a:endParaRPr lang="en-US" altLang="ja-JP"/>
+          </a:p>
+          <a:p>
+            <a:pPr marL="0" indent="0">
+              <a:buNone/>
+            </a:pPr>
+            <a:endParaRPr lang="ja-JP" altLang="en-US"/>
+          </a:p>
+        </p:txBody>
+      </p:sp>
     </p:spTree>
     <p:extLst>
       <p:ext uri="{BB962C8B-B14F-4D97-AF65-F5344CB8AC3E}">
-        <p14:creationId xmlns:p14="http://schemas.microsoft.com/office/powerpoint/2010/main" val="2785103375"/>
+        <p14:creationId xmlns:p14="http://schemas.microsoft.com/office/powerpoint/2010/main" val="705573762"/>
       </p:ext>
     </p:extLst>
   </p:cSld>

--- a/Lambda/Lambda編.pptx
+++ b/Lambda/Lambda編.pptx
@@ -3314,7 +3314,6 @@
               <a:rPr kumimoji="1" lang="ja-JP" altLang="en-US"/>
               <a:t>の作成</a:t>
             </a:r>
-            <a:endParaRPr kumimoji="1" lang="ja-JP" altLang="en-US"/>
           </a:p>
         </p:txBody>
       </p:sp>
@@ -3381,14 +3380,6 @@
               </a:rPr>
               <a:t>クリック</a:t>
             </a:r>
-            <a:endParaRPr kumimoji="1" lang="ja-JP" altLang="en-US">
-              <a:solidFill>
-                <a:srgbClr val="FF0000"/>
-              </a:solidFill>
-              <a:latin typeface="メイリオ"/>
-              <a:ea typeface="メイリオ"/>
-              <a:cs typeface="メイリオ"/>
-            </a:endParaRPr>
           </a:p>
         </p:txBody>
       </p:sp>
@@ -3593,14 +3584,6 @@
               </a:rPr>
               <a:t>を選択</a:t>
             </a:r>
-            <a:endParaRPr kumimoji="1" lang="ja-JP" altLang="en-US">
-              <a:solidFill>
-                <a:srgbClr val="FF0000"/>
-              </a:solidFill>
-              <a:latin typeface="メイリオ"/>
-              <a:ea typeface="メイリオ"/>
-              <a:cs typeface="メイリオ"/>
-            </a:endParaRPr>
           </a:p>
         </p:txBody>
       </p:sp>
@@ -3682,14 +3665,6 @@
               </a:rPr>
               <a:t>一意につけたバケット名</a:t>
             </a:r>
-            <a:endParaRPr kumimoji="1" lang="ja-JP" altLang="en-US">
-              <a:solidFill>
-                <a:srgbClr val="FF0000"/>
-              </a:solidFill>
-              <a:latin typeface="メイリオ"/>
-              <a:ea typeface="メイリオ"/>
-              <a:cs typeface="メイリオ"/>
-            </a:endParaRPr>
           </a:p>
         </p:txBody>
       </p:sp>
@@ -3782,14 +3757,6 @@
               </a:rPr>
               <a:t>を選択</a:t>
             </a:r>
-            <a:endParaRPr kumimoji="1" lang="ja-JP" altLang="en-US">
-              <a:solidFill>
-                <a:srgbClr val="FF0000"/>
-              </a:solidFill>
-              <a:latin typeface="メイリオ"/>
-              <a:ea typeface="メイリオ"/>
-              <a:cs typeface="メイリオ"/>
-            </a:endParaRPr>
           </a:p>
         </p:txBody>
       </p:sp>
@@ -3826,14 +3793,6 @@
               </a:rPr>
               <a:t>空欄のまま</a:t>
             </a:r>
-            <a:endParaRPr kumimoji="1" lang="ja-JP" altLang="en-US">
-              <a:solidFill>
-                <a:srgbClr val="FF0000"/>
-              </a:solidFill>
-              <a:latin typeface="メイリオ"/>
-              <a:ea typeface="メイリオ"/>
-              <a:cs typeface="メイリオ"/>
-            </a:endParaRPr>
           </a:p>
         </p:txBody>
       </p:sp>
@@ -3870,14 +3829,6 @@
               </a:rPr>
               <a:t>空欄のまま</a:t>
             </a:r>
-            <a:endParaRPr kumimoji="1" lang="ja-JP" altLang="en-US">
-              <a:solidFill>
-                <a:srgbClr val="FF0000"/>
-              </a:solidFill>
-              <a:latin typeface="メイリオ"/>
-              <a:ea typeface="メイリオ"/>
-              <a:cs typeface="メイリオ"/>
-            </a:endParaRPr>
           </a:p>
         </p:txBody>
       </p:sp>
@@ -3959,14 +3910,6 @@
               </a:rPr>
               <a:t>チェックを入れる</a:t>
             </a:r>
-            <a:endParaRPr kumimoji="1" lang="ja-JP" altLang="en-US">
-              <a:solidFill>
-                <a:srgbClr val="FF0000"/>
-              </a:solidFill>
-              <a:latin typeface="メイリオ"/>
-              <a:ea typeface="メイリオ"/>
-              <a:cs typeface="メイリオ"/>
-            </a:endParaRPr>
           </a:p>
         </p:txBody>
       </p:sp>
@@ -4046,7 +3989,7 @@
         <p:spPr/>
         <p:txBody>
           <a:bodyPr>
-            <a:normAutofit/>
+            <a:normAutofit fontScale="92500" lnSpcReduction="10000"/>
           </a:bodyPr>
           <a:lstStyle/>
           <a:p>
@@ -4059,8 +4002,87 @@
             <a:pPr lvl="1"/>
             <a:r>
               <a:rPr lang="en-US" altLang="ja-JP"/>
-              <a:t>Name : lambda-s3-function</a:t>
-            </a:r>
+              <a:t>Name : </a:t>
+            </a:r>
+            <a:r>
+              <a:rPr lang="en-US" altLang="ja-JP">
+                <a:solidFill>
+                  <a:srgbClr val="FF0000"/>
+                </a:solidFill>
+              </a:rPr>
+              <a:t>lambda-s3-function-’</a:t>
+            </a:r>
+            <a:r>
+              <a:rPr lang="ja-JP" altLang="en-US">
+                <a:solidFill>
+                  <a:srgbClr val="FF0000"/>
+                </a:solidFill>
+              </a:rPr>
+              <a:t>名前</a:t>
+            </a:r>
+            <a:r>
+              <a:rPr lang="en-US" altLang="ja-JP">
+                <a:solidFill>
+                  <a:srgbClr val="FF0000"/>
+                </a:solidFill>
+              </a:rPr>
+              <a:t>’</a:t>
+            </a:r>
+            <a:r>
+              <a:rPr lang="ja-JP" altLang="en-US">
+                <a:solidFill>
+                  <a:srgbClr val="FF0000"/>
+                </a:solidFill>
+              </a:rPr>
+              <a:t>　</a:t>
+            </a:r>
+            <a:r>
+              <a:rPr lang="ja-JP" altLang="en-US"/>
+              <a:t>としてください。</a:t>
+            </a:r>
+            <a:endParaRPr lang="en-US" altLang="ja-JP"/>
+          </a:p>
+          <a:p>
+            <a:pPr marL="914400" lvl="2" indent="0">
+              <a:buNone/>
+            </a:pPr>
+            <a:r>
+              <a:rPr lang="en-US" altLang="ja-JP">
+                <a:solidFill>
+                  <a:srgbClr val="FF0000"/>
+                </a:solidFill>
+              </a:rPr>
+              <a:t>	</a:t>
+            </a:r>
+            <a:r>
+              <a:rPr lang="ja-JP" altLang="en-US">
+                <a:solidFill>
+                  <a:srgbClr val="FF0000"/>
+                </a:solidFill>
+              </a:rPr>
+              <a:t>　　　このサンプルでは</a:t>
+            </a:r>
+            <a:r>
+              <a:rPr lang="en-US" altLang="ja-JP">
+                <a:solidFill>
+                  <a:srgbClr val="FF0000"/>
+                </a:solidFill>
+              </a:rPr>
+              <a:t>lambda-s3-function</a:t>
+            </a:r>
+            <a:r>
+              <a:rPr lang="ja-JP" altLang="en-US">
+                <a:solidFill>
+                  <a:srgbClr val="FF0000"/>
+                </a:solidFill>
+              </a:rPr>
+              <a:t>としています。</a:t>
+            </a:r>
+            <a:endParaRPr lang="en-US" altLang="ja-JP">
+              <a:solidFill>
+                <a:srgbClr val="FF0000"/>
+              </a:solidFill>
+            </a:endParaRPr>
           </a:p>
           <a:p>
             <a:pPr lvl="1"/>
@@ -4214,7 +4236,6 @@
               <a:rPr kumimoji="1" lang="ja-JP" altLang="en-US"/>
               <a:t>の作成</a:t>
             </a:r>
-            <a:endParaRPr kumimoji="1" lang="ja-JP" altLang="en-US"/>
           </a:p>
         </p:txBody>
       </p:sp>
@@ -4257,7 +4278,7 @@
         <p:spPr>
           <a:xfrm>
             <a:off x="5394476" y="1971604"/>
-            <a:ext cx="3072776" cy="369332"/>
+            <a:ext cx="3857246" cy="369332"/>
           </a:xfrm>
           <a:prstGeom prst="rect">
             <a:avLst/>
@@ -4282,6 +4303,50 @@
               <a:t>lambda-s3-function</a:t>
             </a:r>
             <a:r>
+              <a:rPr lang="en-US" altLang="ja-JP">
+                <a:solidFill>
+                  <a:srgbClr val="FF0000"/>
+                </a:solidFill>
+                <a:latin typeface="メイリオ"/>
+                <a:ea typeface="メイリオ"/>
+                <a:cs typeface="メイリオ"/>
+              </a:rPr>
+              <a:t>-’</a:t>
+            </a:r>
+            <a:r>
+              <a:rPr lang="ja-JP" altLang="en-US">
+                <a:solidFill>
+                  <a:srgbClr val="FF0000"/>
+                </a:solidFill>
+                <a:latin typeface="メイリオ"/>
+                <a:ea typeface="メイリオ"/>
+                <a:cs typeface="メイリオ"/>
+              </a:rPr>
+              <a:t>名前</a:t>
+            </a:r>
+            <a:r>
+              <a:rPr lang="en-US" altLang="ja-JP">
+                <a:solidFill>
+                  <a:srgbClr val="FF0000"/>
+                </a:solidFill>
+                <a:latin typeface="メイリオ"/>
+                <a:ea typeface="メイリオ"/>
+                <a:cs typeface="メイリオ"/>
+              </a:rPr>
+              <a:t>’</a:t>
+            </a:r>
+            <a:r>
+              <a:rPr lang="ja-JP" altLang="en-US">
+                <a:solidFill>
+                  <a:srgbClr val="FF0000"/>
+                </a:solidFill>
+                <a:latin typeface="メイリオ"/>
+                <a:ea typeface="メイリオ"/>
+                <a:cs typeface="メイリオ"/>
+              </a:rPr>
+              <a:t>を</a:t>
+            </a:r>
+            <a:r>
               <a:rPr kumimoji="1" lang="ja-JP" altLang="en-US">
                 <a:solidFill>
                   <a:srgbClr val="FF0000"/>
@@ -4290,16 +4355,8 @@
                 <a:ea typeface="メイリオ"/>
                 <a:cs typeface="メイリオ"/>
               </a:rPr>
-              <a:t>と入力</a:t>
-            </a:r>
-            <a:endParaRPr kumimoji="1" lang="ja-JP" altLang="en-US">
-              <a:solidFill>
-                <a:srgbClr val="FF0000"/>
-              </a:solidFill>
-              <a:latin typeface="メイリオ"/>
-              <a:ea typeface="メイリオ"/>
-              <a:cs typeface="メイリオ"/>
-            </a:endParaRPr>
+              <a:t>入力</a:t>
+            </a:r>
           </a:p>
         </p:txBody>
       </p:sp>
@@ -4336,14 +4393,6 @@
               </a:rPr>
               <a:t>そのまま</a:t>
             </a:r>
-            <a:endParaRPr kumimoji="1" lang="ja-JP" altLang="en-US">
-              <a:solidFill>
-                <a:srgbClr val="FF0000"/>
-              </a:solidFill>
-              <a:latin typeface="メイリオ"/>
-              <a:ea typeface="メイリオ"/>
-              <a:cs typeface="メイリオ"/>
-            </a:endParaRPr>
           </a:p>
         </p:txBody>
       </p:sp>
@@ -4380,14 +4429,6 @@
               </a:rPr>
               <a:t>そのまま</a:t>
             </a:r>
-            <a:endParaRPr kumimoji="1" lang="ja-JP" altLang="en-US">
-              <a:solidFill>
-                <a:srgbClr val="FF0000"/>
-              </a:solidFill>
-              <a:latin typeface="メイリオ"/>
-              <a:ea typeface="メイリオ"/>
-              <a:cs typeface="メイリオ"/>
-            </a:endParaRPr>
           </a:p>
         </p:txBody>
       </p:sp>
@@ -4484,14 +4525,6 @@
               </a:rPr>
               <a:t>そのまま</a:t>
             </a:r>
-            <a:endParaRPr kumimoji="1" lang="ja-JP" altLang="en-US">
-              <a:solidFill>
-                <a:srgbClr val="FF0000"/>
-              </a:solidFill>
-              <a:latin typeface="メイリオ"/>
-              <a:ea typeface="メイリオ"/>
-              <a:cs typeface="メイリオ"/>
-            </a:endParaRPr>
           </a:p>
         </p:txBody>
       </p:sp>
@@ -4560,14 +4593,6 @@
               </a:rPr>
               <a:t>コピー＆ペースト</a:t>
             </a:r>
-            <a:endParaRPr kumimoji="1" lang="ja-JP" altLang="en-US">
-              <a:solidFill>
-                <a:srgbClr val="FF0000"/>
-              </a:solidFill>
-              <a:latin typeface="メイリオ"/>
-              <a:ea typeface="メイリオ"/>
-              <a:cs typeface="メイリオ"/>
-            </a:endParaRPr>
           </a:p>
         </p:txBody>
       </p:sp>
@@ -4716,6 +4741,53 @@
               </a:rPr>
               <a:t>そのまま</a:t>
             </a:r>
+          </a:p>
+        </p:txBody>
+      </p:sp>
+      <p:sp>
+        <p:nvSpPr>
+          <p:cNvPr id="5" name="テキスト ボックス 4"/>
+          <p:cNvSpPr txBox="1"/>
+          <p:nvPr/>
+        </p:nvSpPr>
+        <p:spPr>
+          <a:xfrm>
+            <a:off x="4148666" y="1777343"/>
+            <a:ext cx="4673074" cy="369332"/>
+          </a:xfrm>
+          <a:prstGeom prst="rect">
+            <a:avLst/>
+          </a:prstGeom>
+          <a:noFill/>
+        </p:spPr>
+        <p:txBody>
+          <a:bodyPr wrap="none" rtlCol="0">
+            <a:spAutoFit/>
+          </a:bodyPr>
+          <a:lstStyle/>
+          <a:p>
+            <a:r>
+              <a:rPr lang="en-US" altLang="ja-JP">
+                <a:solidFill>
+                  <a:srgbClr val="FF0000"/>
+                </a:solidFill>
+                <a:latin typeface="メイリオ"/>
+                <a:ea typeface="メイリオ"/>
+                <a:cs typeface="メイリオ"/>
+              </a:rPr>
+              <a:t>Create new role from template(s)</a:t>
+            </a:r>
+            <a:r>
+              <a:rPr lang="ja-JP" altLang="en-US">
+                <a:solidFill>
+                  <a:srgbClr val="FF0000"/>
+                </a:solidFill>
+                <a:latin typeface="メイリオ"/>
+                <a:ea typeface="メイリオ"/>
+                <a:cs typeface="メイリオ"/>
+              </a:rPr>
+              <a:t>を選択</a:t>
+            </a:r>
             <a:endParaRPr kumimoji="1" lang="ja-JP" altLang="en-US">
               <a:solidFill>
                 <a:srgbClr val="FF0000"/>
@@ -4729,61 +4801,6 @@
       </p:sp>
       <p:sp>
         <p:nvSpPr>
-          <p:cNvPr id="5" name="テキスト ボックス 4"/>
-          <p:cNvSpPr txBox="1"/>
-          <p:nvPr/>
-        </p:nvSpPr>
-        <p:spPr>
-          <a:xfrm>
-            <a:off x="4148666" y="1777343"/>
-            <a:ext cx="4673074" cy="369332"/>
-          </a:xfrm>
-          <a:prstGeom prst="rect">
-            <a:avLst/>
-          </a:prstGeom>
-          <a:noFill/>
-        </p:spPr>
-        <p:txBody>
-          <a:bodyPr wrap="none" rtlCol="0">
-            <a:spAutoFit/>
-          </a:bodyPr>
-          <a:lstStyle/>
-          <a:p>
-            <a:r>
-              <a:rPr lang="en-US" altLang="ja-JP">
-                <a:solidFill>
-                  <a:srgbClr val="FF0000"/>
-                </a:solidFill>
-                <a:latin typeface="メイリオ"/>
-                <a:ea typeface="メイリオ"/>
-                <a:cs typeface="メイリオ"/>
-              </a:rPr>
-              <a:t>Create new role from template(s)</a:t>
-            </a:r>
-            <a:r>
-              <a:rPr lang="ja-JP" altLang="en-US">
-                <a:solidFill>
-                  <a:srgbClr val="FF0000"/>
-                </a:solidFill>
-                <a:latin typeface="メイリオ"/>
-                <a:ea typeface="メイリオ"/>
-                <a:cs typeface="メイリオ"/>
-              </a:rPr>
-              <a:t>を選択</a:t>
-            </a:r>
-            <a:endParaRPr kumimoji="1" lang="ja-JP" altLang="en-US">
-              <a:solidFill>
-                <a:srgbClr val="FF0000"/>
-              </a:solidFill>
-              <a:latin typeface="メイリオ"/>
-              <a:ea typeface="メイリオ"/>
-              <a:cs typeface="メイリオ"/>
-            </a:endParaRPr>
-          </a:p>
-        </p:txBody>
-      </p:sp>
-      <p:sp>
-        <p:nvSpPr>
           <p:cNvPr id="6" name="テキスト ボックス 5"/>
           <p:cNvSpPr txBox="1"/>
           <p:nvPr/>
@@ -4826,14 +4843,6 @@
               </a:rPr>
               <a:t>と入力</a:t>
             </a:r>
-            <a:endParaRPr kumimoji="1" lang="ja-JP" altLang="en-US">
-              <a:solidFill>
-                <a:srgbClr val="FF0000"/>
-              </a:solidFill>
-              <a:latin typeface="メイリオ"/>
-              <a:ea typeface="メイリオ"/>
-              <a:cs typeface="メイリオ"/>
-            </a:endParaRPr>
           </a:p>
         </p:txBody>
       </p:sp>
@@ -4881,14 +4890,6 @@
               </a:rPr>
               <a:t>を選択</a:t>
             </a:r>
-            <a:endParaRPr kumimoji="1" lang="ja-JP" altLang="en-US">
-              <a:solidFill>
-                <a:srgbClr val="FF0000"/>
-              </a:solidFill>
-              <a:latin typeface="メイリオ"/>
-              <a:ea typeface="メイリオ"/>
-              <a:cs typeface="メイリオ"/>
-            </a:endParaRPr>
           </a:p>
         </p:txBody>
       </p:sp>
@@ -5111,14 +5112,6 @@
               </a:rPr>
               <a:t>そのまま</a:t>
             </a:r>
-            <a:endParaRPr kumimoji="1" lang="ja-JP" altLang="en-US">
-              <a:solidFill>
-                <a:srgbClr val="FF0000"/>
-              </a:solidFill>
-              <a:latin typeface="メイリオ"/>
-              <a:ea typeface="メイリオ"/>
-              <a:cs typeface="メイリオ"/>
-            </a:endParaRPr>
           </a:p>
         </p:txBody>
       </p:sp>
@@ -5155,14 +5148,6 @@
               </a:rPr>
               <a:t>そのまま</a:t>
             </a:r>
-            <a:endParaRPr kumimoji="1" lang="ja-JP" altLang="en-US">
-              <a:solidFill>
-                <a:srgbClr val="FF0000"/>
-              </a:solidFill>
-              <a:latin typeface="メイリオ"/>
-              <a:ea typeface="メイリオ"/>
-              <a:cs typeface="メイリオ"/>
-            </a:endParaRPr>
           </a:p>
         </p:txBody>
       </p:sp>
@@ -5199,14 +5184,6 @@
               </a:rPr>
               <a:t>そのまま</a:t>
             </a:r>
-            <a:endParaRPr kumimoji="1" lang="ja-JP" altLang="en-US">
-              <a:solidFill>
-                <a:srgbClr val="FF0000"/>
-              </a:solidFill>
-              <a:latin typeface="メイリオ"/>
-              <a:ea typeface="メイリオ"/>
-              <a:cs typeface="メイリオ"/>
-            </a:endParaRPr>
           </a:p>
         </p:txBody>
       </p:sp>
@@ -5243,14 +5220,6 @@
               </a:rPr>
               <a:t>クリック</a:t>
             </a:r>
-            <a:endParaRPr kumimoji="1" lang="ja-JP" altLang="en-US">
-              <a:solidFill>
-                <a:srgbClr val="FF0000"/>
-              </a:solidFill>
-              <a:latin typeface="メイリオ"/>
-              <a:ea typeface="メイリオ"/>
-              <a:cs typeface="メイリオ"/>
-            </a:endParaRPr>
           </a:p>
         </p:txBody>
       </p:sp>
@@ -5469,7 +5438,6 @@
               <a:rPr kumimoji="1" lang="ja-JP" altLang="en-US"/>
               <a:t>にアップロード</a:t>
             </a:r>
-            <a:endParaRPr kumimoji="1" lang="ja-JP" altLang="en-US"/>
           </a:p>
         </p:txBody>
       </p:sp>
@@ -5581,14 +5549,6 @@
               </a:rPr>
               <a:t>一意につけたバケット名をクリック</a:t>
             </a:r>
-            <a:endParaRPr kumimoji="1" lang="ja-JP" altLang="en-US">
-              <a:solidFill>
-                <a:srgbClr val="FF0000"/>
-              </a:solidFill>
-              <a:latin typeface="メイリオ"/>
-              <a:ea typeface="メイリオ"/>
-              <a:cs typeface="メイリオ"/>
-            </a:endParaRPr>
           </a:p>
         </p:txBody>
       </p:sp>
@@ -6143,7 +6103,6 @@
               <a:rPr kumimoji="1" lang="ja-JP" altLang="en-US"/>
               <a:t>にアップロード</a:t>
             </a:r>
-            <a:endParaRPr kumimoji="1" lang="ja-JP" altLang="en-US"/>
           </a:p>
         </p:txBody>
       </p:sp>
@@ -6255,14 +6214,6 @@
               </a:rPr>
               <a:t>アップロードをクリック</a:t>
             </a:r>
-            <a:endParaRPr kumimoji="1" lang="ja-JP" altLang="en-US">
-              <a:solidFill>
-                <a:srgbClr val="FF0000"/>
-              </a:solidFill>
-              <a:latin typeface="メイリオ"/>
-              <a:ea typeface="メイリオ"/>
-              <a:cs typeface="メイリオ"/>
-            </a:endParaRPr>
           </a:p>
         </p:txBody>
       </p:sp>
@@ -6377,14 +6328,6 @@
               </a:rPr>
               <a:t>をドラッグ＆ドロップ</a:t>
             </a:r>
-            <a:endParaRPr kumimoji="1" lang="ja-JP" altLang="en-US">
-              <a:solidFill>
-                <a:srgbClr val="FF0000"/>
-              </a:solidFill>
-              <a:latin typeface="メイリオ"/>
-              <a:ea typeface="メイリオ"/>
-              <a:cs typeface="メイリオ"/>
-            </a:endParaRPr>
           </a:p>
         </p:txBody>
       </p:sp>
@@ -6511,14 +6454,6 @@
               </a:rPr>
               <a:t>クリック</a:t>
             </a:r>
-            <a:endParaRPr kumimoji="1" lang="ja-JP" altLang="en-US">
-              <a:solidFill>
-                <a:srgbClr val="FF0000"/>
-              </a:solidFill>
-              <a:latin typeface="メイリオ"/>
-              <a:ea typeface="メイリオ"/>
-              <a:cs typeface="メイリオ"/>
-            </a:endParaRPr>
           </a:p>
         </p:txBody>
       </p:sp>
@@ -6576,11 +6511,7 @@
           <a:p>
             <a:r>
               <a:rPr kumimoji="1" lang="en-US" altLang="ja-JP"/>
-              <a:t>CloudWatch</a:t>
-            </a:r>
-            <a:r>
-              <a:rPr kumimoji="1" lang="en-US" altLang="ja-JP"/>
-              <a:t>Logs</a:t>
+              <a:t>CloudWatchLogs</a:t>
             </a:r>
             <a:r>
               <a:rPr kumimoji="1" lang="ja-JP" altLang="en-US"/>
@@ -7187,11 +7118,6 @@
               </a:rPr>
               <a:t>パスワード</a:t>
             </a:r>
-            <a:endParaRPr kumimoji="1" lang="ja-JP" altLang="en-US">
-              <a:latin typeface="メイリオ"/>
-              <a:ea typeface="メイリオ"/>
-              <a:cs typeface="メイリオ"/>
-            </a:endParaRPr>
           </a:p>
         </p:txBody>
       </p:sp>
@@ -7293,7 +7219,6 @@
               <a:rPr kumimoji="1" lang="ja-JP" altLang="en-US"/>
               <a:t>へのアクセス</a:t>
             </a:r>
-            <a:endParaRPr kumimoji="1" lang="ja-JP" altLang="en-US"/>
           </a:p>
         </p:txBody>
       </p:sp>
@@ -7405,14 +7330,6 @@
               </a:rPr>
               <a:t>クリック</a:t>
             </a:r>
-            <a:endParaRPr kumimoji="1" lang="ja-JP" altLang="en-US">
-              <a:solidFill>
-                <a:srgbClr val="FF0000"/>
-              </a:solidFill>
-              <a:latin typeface="メイリオ"/>
-              <a:ea typeface="メイリオ"/>
-              <a:cs typeface="メイリオ"/>
-            </a:endParaRPr>
           </a:p>
         </p:txBody>
       </p:sp>
@@ -7645,14 +7562,6 @@
               </a:rPr>
               <a:t>としています！</a:t>
             </a:r>
-            <a:endParaRPr kumimoji="1" lang="ja-JP" altLang="en-US">
-              <a:solidFill>
-                <a:srgbClr val="FF0000"/>
-              </a:solidFill>
-              <a:latin typeface="メイリオ"/>
-              <a:ea typeface="メイリオ"/>
-              <a:cs typeface="メイリオ"/>
-            </a:endParaRPr>
           </a:p>
         </p:txBody>
       </p:sp>
@@ -7716,7 +7625,6 @@
               <a:rPr kumimoji="1" lang="ja-JP" altLang="en-US"/>
               <a:t>へのアクセス</a:t>
             </a:r>
-            <a:endParaRPr kumimoji="1" lang="ja-JP" altLang="en-US"/>
           </a:p>
         </p:txBody>
       </p:sp>
@@ -7828,14 +7736,6 @@
               </a:rPr>
               <a:t>クリック</a:t>
             </a:r>
-            <a:endParaRPr kumimoji="1" lang="ja-JP" altLang="en-US">
-              <a:solidFill>
-                <a:srgbClr val="FF0000"/>
-              </a:solidFill>
-              <a:latin typeface="メイリオ"/>
-              <a:ea typeface="メイリオ"/>
-              <a:cs typeface="メイリオ"/>
-            </a:endParaRPr>
           </a:p>
         </p:txBody>
       </p:sp>
